--- a/Documentação/Deep dive.pptx
+++ b/Documentação/Deep dive.pptx
@@ -2,7 +2,7 @@
 <file path=ppt/presentation.xml><?xml version="1.0" encoding="utf-8"?>
 <p:presentation xmlns:a="http://schemas.openxmlformats.org/drawingml/2006/main" xmlns:r="http://schemas.openxmlformats.org/officeDocument/2006/relationships" xmlns:p="http://schemas.openxmlformats.org/presentationml/2006/main" saveSubsetFonts="1">
   <p:sldMasterIdLst>
-    <p:sldMasterId id="2147483648" r:id="rId1"/>
+    <p:sldMasterId id="2147483660" r:id="rId1"/>
   </p:sldMasterIdLst>
   <p:sldIdLst>
     <p:sldId id="256" r:id="rId2"/>
@@ -15,7 +15,7 @@
     <p:sldId id="268" r:id="rId9"/>
     <p:sldId id="269" r:id="rId10"/>
     <p:sldId id="259" r:id="rId11"/>
-    <p:sldId id="260" r:id="rId12"/>
+    <p:sldId id="270" r:id="rId12"/>
     <p:sldId id="261" r:id="rId13"/>
     <p:sldId id="262" r:id="rId14"/>
   </p:sldIdLst>
@@ -23,9 +23,9 @@
   <p:notesSz cx="6858000" cy="9144000"/>
   <p:defaultTextStyle>
     <a:defPPr>
-      <a:defRPr lang="pt-BR"/>
+      <a:defRPr lang="en-US"/>
     </a:defPPr>
-    <a:lvl1pPr marL="0" algn="l" defTabSz="914400" rtl="0" eaLnBrk="1" latinLnBrk="0" hangingPunct="1">
+    <a:lvl1pPr marL="0" algn="l" defTabSz="457200" rtl="0" eaLnBrk="1" latinLnBrk="0" hangingPunct="1">
       <a:defRPr sz="1800" kern="1200">
         <a:solidFill>
           <a:schemeClr val="tx1"/>
@@ -35,7 +35,7 @@
         <a:cs typeface="+mn-cs"/>
       </a:defRPr>
     </a:lvl1pPr>
-    <a:lvl2pPr marL="457200" algn="l" defTabSz="914400" rtl="0" eaLnBrk="1" latinLnBrk="0" hangingPunct="1">
+    <a:lvl2pPr marL="457200" algn="l" defTabSz="457200" rtl="0" eaLnBrk="1" latinLnBrk="0" hangingPunct="1">
       <a:defRPr sz="1800" kern="1200">
         <a:solidFill>
           <a:schemeClr val="tx1"/>
@@ -45,7 +45,7 @@
         <a:cs typeface="+mn-cs"/>
       </a:defRPr>
     </a:lvl2pPr>
-    <a:lvl3pPr marL="914400" algn="l" defTabSz="914400" rtl="0" eaLnBrk="1" latinLnBrk="0" hangingPunct="1">
+    <a:lvl3pPr marL="914400" algn="l" defTabSz="457200" rtl="0" eaLnBrk="1" latinLnBrk="0" hangingPunct="1">
       <a:defRPr sz="1800" kern="1200">
         <a:solidFill>
           <a:schemeClr val="tx1"/>
@@ -55,7 +55,7 @@
         <a:cs typeface="+mn-cs"/>
       </a:defRPr>
     </a:lvl3pPr>
-    <a:lvl4pPr marL="1371600" algn="l" defTabSz="914400" rtl="0" eaLnBrk="1" latinLnBrk="0" hangingPunct="1">
+    <a:lvl4pPr marL="1371600" algn="l" defTabSz="457200" rtl="0" eaLnBrk="1" latinLnBrk="0" hangingPunct="1">
       <a:defRPr sz="1800" kern="1200">
         <a:solidFill>
           <a:schemeClr val="tx1"/>
@@ -65,7 +65,7 @@
         <a:cs typeface="+mn-cs"/>
       </a:defRPr>
     </a:lvl4pPr>
-    <a:lvl5pPr marL="1828800" algn="l" defTabSz="914400" rtl="0" eaLnBrk="1" latinLnBrk="0" hangingPunct="1">
+    <a:lvl5pPr marL="1828800" algn="l" defTabSz="457200" rtl="0" eaLnBrk="1" latinLnBrk="0" hangingPunct="1">
       <a:defRPr sz="1800" kern="1200">
         <a:solidFill>
           <a:schemeClr val="tx1"/>
@@ -75,7 +75,7 @@
         <a:cs typeface="+mn-cs"/>
       </a:defRPr>
     </a:lvl5pPr>
-    <a:lvl6pPr marL="2286000" algn="l" defTabSz="914400" rtl="0" eaLnBrk="1" latinLnBrk="0" hangingPunct="1">
+    <a:lvl6pPr marL="2286000" algn="l" defTabSz="457200" rtl="0" eaLnBrk="1" latinLnBrk="0" hangingPunct="1">
       <a:defRPr sz="1800" kern="1200">
         <a:solidFill>
           <a:schemeClr val="tx1"/>
@@ -85,7 +85,7 @@
         <a:cs typeface="+mn-cs"/>
       </a:defRPr>
     </a:lvl6pPr>
-    <a:lvl7pPr marL="2743200" algn="l" defTabSz="914400" rtl="0" eaLnBrk="1" latinLnBrk="0" hangingPunct="1">
+    <a:lvl7pPr marL="2743200" algn="l" defTabSz="457200" rtl="0" eaLnBrk="1" latinLnBrk="0" hangingPunct="1">
       <a:defRPr sz="1800" kern="1200">
         <a:solidFill>
           <a:schemeClr val="tx1"/>
@@ -95,7 +95,7 @@
         <a:cs typeface="+mn-cs"/>
       </a:defRPr>
     </a:lvl7pPr>
-    <a:lvl8pPr marL="3200400" algn="l" defTabSz="914400" rtl="0" eaLnBrk="1" latinLnBrk="0" hangingPunct="1">
+    <a:lvl8pPr marL="3200400" algn="l" defTabSz="457200" rtl="0" eaLnBrk="1" latinLnBrk="0" hangingPunct="1">
       <a:defRPr sz="1800" kern="1200">
         <a:solidFill>
           <a:schemeClr val="tx1"/>
@@ -105,7 +105,7 @@
         <a:cs typeface="+mn-cs"/>
       </a:defRPr>
     </a:lvl8pPr>
-    <a:lvl9pPr marL="3657600" algn="l" defTabSz="914400" rtl="0" eaLnBrk="1" latinLnBrk="0" hangingPunct="1">
+    <a:lvl9pPr marL="3657600" algn="l" defTabSz="457200" rtl="0" eaLnBrk="1" latinLnBrk="0" hangingPunct="1">
       <a:defRPr sz="1800" kern="1200">
         <a:solidFill>
           <a:schemeClr val="tx1"/>
@@ -116,6 +116,11 @@
       </a:defRPr>
     </a:lvl9pPr>
   </p:defaultTextStyle>
+  <p:extLst>
+    <p:ext uri="{EFAFB233-063F-42B5-8137-9DF3F51BA10A}">
+      <p15:sldGuideLst xmlns:p15="http://schemas.microsoft.com/office/powerpoint/2012/main"/>
+    </p:ext>
+  </p:extLst>
 </p:presentation>
 </file>
 
@@ -138,13 +143,7 @@
       </p:grpSpPr>
       <p:sp>
         <p:nvSpPr>
-          <p:cNvPr id="2" name="Título 1">
-            <a:extLst>
-              <a:ext uri="{FF2B5EF4-FFF2-40B4-BE49-F238E27FC236}">
-                <a16:creationId xmlns:a16="http://schemas.microsoft.com/office/drawing/2014/main" id="{98C8A5B0-74D5-40C7-945F-D556503407A6}"/>
-              </a:ext>
-            </a:extLst>
-          </p:cNvPr>
+          <p:cNvPr id="2" name="Title 1"/>
           <p:cNvSpPr>
             <a:spLocks noGrp="1"/>
           </p:cNvSpPr>
@@ -170,18 +169,13 @@
               <a:rPr lang="pt-BR"/>
               <a:t>Clique para editar o título Mestre</a:t>
             </a:r>
-          </a:p>
-        </p:txBody>
-      </p:sp>
-      <p:sp>
-        <p:nvSpPr>
-          <p:cNvPr id="3" name="Subtítulo 2">
-            <a:extLst>
-              <a:ext uri="{FF2B5EF4-FFF2-40B4-BE49-F238E27FC236}">
-                <a16:creationId xmlns:a16="http://schemas.microsoft.com/office/drawing/2014/main" id="{E73CCEB1-4582-4F3D-B07D-493EB33E2859}"/>
-              </a:ext>
-            </a:extLst>
-          </p:cNvPr>
+            <a:endParaRPr lang="en-US" dirty="0"/>
+          </a:p>
+        </p:txBody>
+      </p:sp>
+      <p:sp>
+        <p:nvSpPr>
+          <p:cNvPr id="3" name="Subtitle 2"/>
           <p:cNvSpPr>
             <a:spLocks noGrp="1"/>
           </p:cNvSpPr>
@@ -240,18 +234,13 @@
               <a:rPr lang="pt-BR"/>
               <a:t>Clique para editar o estilo do subtítulo Mestre</a:t>
             </a:r>
-          </a:p>
-        </p:txBody>
-      </p:sp>
-      <p:sp>
-        <p:nvSpPr>
-          <p:cNvPr id="4" name="Espaço Reservado para Data 3">
-            <a:extLst>
-              <a:ext uri="{FF2B5EF4-FFF2-40B4-BE49-F238E27FC236}">
-                <a16:creationId xmlns:a16="http://schemas.microsoft.com/office/drawing/2014/main" id="{4AE4599E-BDC9-4A8C-A454-35D47A0AC8D6}"/>
-              </a:ext>
-            </a:extLst>
-          </p:cNvPr>
+            <a:endParaRPr lang="en-US" dirty="0"/>
+          </a:p>
+        </p:txBody>
+      </p:sp>
+      <p:sp>
+        <p:nvSpPr>
+          <p:cNvPr id="4" name="Date Placeholder 3"/>
           <p:cNvSpPr>
             <a:spLocks noGrp="1"/>
           </p:cNvSpPr>
@@ -266,7 +255,7 @@
           <a:p>
             <a:fld id="{380B573D-D865-4697-BA5F-8FE298F50E6D}" type="datetimeFigureOut">
               <a:rPr lang="pt-BR" smtClean="0"/>
-              <a:t>13/11/2019</a:t>
+              <a:t>15/11/2019</a:t>
             </a:fld>
             <a:endParaRPr lang="pt-BR"/>
           </a:p>
@@ -274,13 +263,7 @@
       </p:sp>
       <p:sp>
         <p:nvSpPr>
-          <p:cNvPr id="5" name="Espaço Reservado para Rodapé 4">
-            <a:extLst>
-              <a:ext uri="{FF2B5EF4-FFF2-40B4-BE49-F238E27FC236}">
-                <a16:creationId xmlns:a16="http://schemas.microsoft.com/office/drawing/2014/main" id="{03DDEC6B-76F7-41FC-872F-9EE6809FDB2A}"/>
-              </a:ext>
-            </a:extLst>
-          </p:cNvPr>
+          <p:cNvPr id="5" name="Footer Placeholder 4"/>
           <p:cNvSpPr>
             <a:spLocks noGrp="1"/>
           </p:cNvSpPr>
@@ -299,13 +282,7 @@
       </p:sp>
       <p:sp>
         <p:nvSpPr>
-          <p:cNvPr id="6" name="Espaço Reservado para Número de Slide 5">
-            <a:extLst>
-              <a:ext uri="{FF2B5EF4-FFF2-40B4-BE49-F238E27FC236}">
-                <a16:creationId xmlns:a16="http://schemas.microsoft.com/office/drawing/2014/main" id="{DAF8B6FD-E0AD-479E-896C-D44132228E92}"/>
-              </a:ext>
-            </a:extLst>
-          </p:cNvPr>
+          <p:cNvPr id="6" name="Slide Number Placeholder 5"/>
           <p:cNvSpPr>
             <a:spLocks noGrp="1"/>
           </p:cNvSpPr>
@@ -329,7 +306,7 @@
     </p:spTree>
     <p:extLst>
       <p:ext uri="{BB962C8B-B14F-4D97-AF65-F5344CB8AC3E}">
-        <p14:creationId xmlns:p14="http://schemas.microsoft.com/office/powerpoint/2010/main" val="602589416"/>
+        <p14:creationId xmlns:p14="http://schemas.microsoft.com/office/powerpoint/2010/main" val="260169801"/>
       </p:ext>
     </p:extLst>
   </p:cSld>
@@ -358,13 +335,7 @@
       </p:grpSpPr>
       <p:sp>
         <p:nvSpPr>
-          <p:cNvPr id="2" name="Título 1">
-            <a:extLst>
-              <a:ext uri="{FF2B5EF4-FFF2-40B4-BE49-F238E27FC236}">
-                <a16:creationId xmlns:a16="http://schemas.microsoft.com/office/drawing/2014/main" id="{032C641B-ADF9-4AEB-8572-3E08140DD38F}"/>
-              </a:ext>
-            </a:extLst>
-          </p:cNvPr>
+          <p:cNvPr id="2" name="Title 1"/>
           <p:cNvSpPr>
             <a:spLocks noGrp="1"/>
           </p:cNvSpPr>
@@ -381,18 +352,13 @@
               <a:rPr lang="pt-BR"/>
               <a:t>Clique para editar o título Mestre</a:t>
             </a:r>
-          </a:p>
-        </p:txBody>
-      </p:sp>
-      <p:sp>
-        <p:nvSpPr>
-          <p:cNvPr id="3" name="Espaço Reservado para Texto Vertical 2">
-            <a:extLst>
-              <a:ext uri="{FF2B5EF4-FFF2-40B4-BE49-F238E27FC236}">
-                <a16:creationId xmlns:a16="http://schemas.microsoft.com/office/drawing/2014/main" id="{B4BA851C-ED4B-44C7-9DED-F3BBFAA7B4A2}"/>
-              </a:ext>
-            </a:extLst>
-          </p:cNvPr>
+            <a:endParaRPr lang="en-US" dirty="0"/>
+          </a:p>
+        </p:txBody>
+      </p:sp>
+      <p:sp>
+        <p:nvSpPr>
+          <p:cNvPr id="3" name="Vertical Text Placeholder 2"/>
           <p:cNvSpPr>
             <a:spLocks noGrp="1"/>
           </p:cNvSpPr>
@@ -438,18 +404,13 @@
               <a:rPr lang="pt-BR"/>
               <a:t>Quinto nível</a:t>
             </a:r>
-          </a:p>
-        </p:txBody>
-      </p:sp>
-      <p:sp>
-        <p:nvSpPr>
-          <p:cNvPr id="4" name="Espaço Reservado para Data 3">
-            <a:extLst>
-              <a:ext uri="{FF2B5EF4-FFF2-40B4-BE49-F238E27FC236}">
-                <a16:creationId xmlns:a16="http://schemas.microsoft.com/office/drawing/2014/main" id="{01F74228-E09A-4186-87A3-F870346322BA}"/>
-              </a:ext>
-            </a:extLst>
-          </p:cNvPr>
+            <a:endParaRPr lang="en-US" dirty="0"/>
+          </a:p>
+        </p:txBody>
+      </p:sp>
+      <p:sp>
+        <p:nvSpPr>
+          <p:cNvPr id="4" name="Date Placeholder 3"/>
           <p:cNvSpPr>
             <a:spLocks noGrp="1"/>
           </p:cNvSpPr>
@@ -464,7 +425,7 @@
           <a:p>
             <a:fld id="{380B573D-D865-4697-BA5F-8FE298F50E6D}" type="datetimeFigureOut">
               <a:rPr lang="pt-BR" smtClean="0"/>
-              <a:t>13/11/2019</a:t>
+              <a:t>15/11/2019</a:t>
             </a:fld>
             <a:endParaRPr lang="pt-BR"/>
           </a:p>
@@ -472,13 +433,7 @@
       </p:sp>
       <p:sp>
         <p:nvSpPr>
-          <p:cNvPr id="5" name="Espaço Reservado para Rodapé 4">
-            <a:extLst>
-              <a:ext uri="{FF2B5EF4-FFF2-40B4-BE49-F238E27FC236}">
-                <a16:creationId xmlns:a16="http://schemas.microsoft.com/office/drawing/2014/main" id="{B70210B7-4718-461E-BCCF-FC19EDB8EA9F}"/>
-              </a:ext>
-            </a:extLst>
-          </p:cNvPr>
+          <p:cNvPr id="5" name="Footer Placeholder 4"/>
           <p:cNvSpPr>
             <a:spLocks noGrp="1"/>
           </p:cNvSpPr>
@@ -497,13 +452,7 @@
       </p:sp>
       <p:sp>
         <p:nvSpPr>
-          <p:cNvPr id="6" name="Espaço Reservado para Número de Slide 5">
-            <a:extLst>
-              <a:ext uri="{FF2B5EF4-FFF2-40B4-BE49-F238E27FC236}">
-                <a16:creationId xmlns:a16="http://schemas.microsoft.com/office/drawing/2014/main" id="{C3310D64-AE1E-4071-9303-28543254325A}"/>
-              </a:ext>
-            </a:extLst>
-          </p:cNvPr>
+          <p:cNvPr id="6" name="Slide Number Placeholder 5"/>
           <p:cNvSpPr>
             <a:spLocks noGrp="1"/>
           </p:cNvSpPr>
@@ -527,7 +476,7 @@
     </p:spTree>
     <p:extLst>
       <p:ext uri="{BB962C8B-B14F-4D97-AF65-F5344CB8AC3E}">
-        <p14:creationId xmlns:p14="http://schemas.microsoft.com/office/powerpoint/2010/main" val="2399820498"/>
+        <p14:creationId xmlns:p14="http://schemas.microsoft.com/office/powerpoint/2010/main" val="2832195840"/>
       </p:ext>
     </p:extLst>
   </p:cSld>
@@ -556,13 +505,7 @@
       </p:grpSpPr>
       <p:sp>
         <p:nvSpPr>
-          <p:cNvPr id="2" name="Título Vertical 1">
-            <a:extLst>
-              <a:ext uri="{FF2B5EF4-FFF2-40B4-BE49-F238E27FC236}">
-                <a16:creationId xmlns:a16="http://schemas.microsoft.com/office/drawing/2014/main" id="{2E10C828-563C-4175-A381-8859D186E174}"/>
-              </a:ext>
-            </a:extLst>
-          </p:cNvPr>
+          <p:cNvPr id="2" name="Vertical Title 1"/>
           <p:cNvSpPr>
             <a:spLocks noGrp="1"/>
           </p:cNvSpPr>
@@ -584,18 +527,13 @@
               <a:rPr lang="pt-BR"/>
               <a:t>Clique para editar o título Mestre</a:t>
             </a:r>
-          </a:p>
-        </p:txBody>
-      </p:sp>
-      <p:sp>
-        <p:nvSpPr>
-          <p:cNvPr id="3" name="Espaço Reservado para Texto Vertical 2">
-            <a:extLst>
-              <a:ext uri="{FF2B5EF4-FFF2-40B4-BE49-F238E27FC236}">
-                <a16:creationId xmlns:a16="http://schemas.microsoft.com/office/drawing/2014/main" id="{30C84295-9AC0-48D3-82E0-2852E03D09B7}"/>
-              </a:ext>
-            </a:extLst>
-          </p:cNvPr>
+            <a:endParaRPr lang="en-US" dirty="0"/>
+          </a:p>
+        </p:txBody>
+      </p:sp>
+      <p:sp>
+        <p:nvSpPr>
+          <p:cNvPr id="3" name="Vertical Text Placeholder 2"/>
           <p:cNvSpPr>
             <a:spLocks noGrp="1"/>
           </p:cNvSpPr>
@@ -646,18 +584,13 @@
               <a:rPr lang="pt-BR"/>
               <a:t>Quinto nível</a:t>
             </a:r>
-          </a:p>
-        </p:txBody>
-      </p:sp>
-      <p:sp>
-        <p:nvSpPr>
-          <p:cNvPr id="4" name="Espaço Reservado para Data 3">
-            <a:extLst>
-              <a:ext uri="{FF2B5EF4-FFF2-40B4-BE49-F238E27FC236}">
-                <a16:creationId xmlns:a16="http://schemas.microsoft.com/office/drawing/2014/main" id="{0A03B856-FFB1-4113-9AB8-35EB5F2B9E51}"/>
-              </a:ext>
-            </a:extLst>
-          </p:cNvPr>
+            <a:endParaRPr lang="en-US" dirty="0"/>
+          </a:p>
+        </p:txBody>
+      </p:sp>
+      <p:sp>
+        <p:nvSpPr>
+          <p:cNvPr id="4" name="Date Placeholder 3"/>
           <p:cNvSpPr>
             <a:spLocks noGrp="1"/>
           </p:cNvSpPr>
@@ -672,7 +605,7 @@
           <a:p>
             <a:fld id="{380B573D-D865-4697-BA5F-8FE298F50E6D}" type="datetimeFigureOut">
               <a:rPr lang="pt-BR" smtClean="0"/>
-              <a:t>13/11/2019</a:t>
+              <a:t>15/11/2019</a:t>
             </a:fld>
             <a:endParaRPr lang="pt-BR"/>
           </a:p>
@@ -680,13 +613,7 @@
       </p:sp>
       <p:sp>
         <p:nvSpPr>
-          <p:cNvPr id="5" name="Espaço Reservado para Rodapé 4">
-            <a:extLst>
-              <a:ext uri="{FF2B5EF4-FFF2-40B4-BE49-F238E27FC236}">
-                <a16:creationId xmlns:a16="http://schemas.microsoft.com/office/drawing/2014/main" id="{AC18B0D6-9946-4FC2-9A6F-6A7FFAFB546F}"/>
-              </a:ext>
-            </a:extLst>
-          </p:cNvPr>
+          <p:cNvPr id="5" name="Footer Placeholder 4"/>
           <p:cNvSpPr>
             <a:spLocks noGrp="1"/>
           </p:cNvSpPr>
@@ -705,13 +632,7 @@
       </p:sp>
       <p:sp>
         <p:nvSpPr>
-          <p:cNvPr id="6" name="Espaço Reservado para Número de Slide 5">
-            <a:extLst>
-              <a:ext uri="{FF2B5EF4-FFF2-40B4-BE49-F238E27FC236}">
-                <a16:creationId xmlns:a16="http://schemas.microsoft.com/office/drawing/2014/main" id="{DFD69F89-F9B6-40E6-9C6C-FB40C3240B1B}"/>
-              </a:ext>
-            </a:extLst>
-          </p:cNvPr>
+          <p:cNvPr id="6" name="Slide Number Placeholder 5"/>
           <p:cNvSpPr>
             <a:spLocks noGrp="1"/>
           </p:cNvSpPr>
@@ -735,7 +656,7 @@
     </p:spTree>
     <p:extLst>
       <p:ext uri="{BB962C8B-B14F-4D97-AF65-F5344CB8AC3E}">
-        <p14:creationId xmlns:p14="http://schemas.microsoft.com/office/powerpoint/2010/main" val="2025952775"/>
+        <p14:creationId xmlns:p14="http://schemas.microsoft.com/office/powerpoint/2010/main" val="1993455913"/>
       </p:ext>
     </p:extLst>
   </p:cSld>
@@ -764,13 +685,7 @@
       </p:grpSpPr>
       <p:sp>
         <p:nvSpPr>
-          <p:cNvPr id="2" name="Título 1">
-            <a:extLst>
-              <a:ext uri="{FF2B5EF4-FFF2-40B4-BE49-F238E27FC236}">
-                <a16:creationId xmlns:a16="http://schemas.microsoft.com/office/drawing/2014/main" id="{8849DA0D-EE37-4AA9-841B-0E02B6BD30FC}"/>
-              </a:ext>
-            </a:extLst>
-          </p:cNvPr>
+          <p:cNvPr id="2" name="Title 1"/>
           <p:cNvSpPr>
             <a:spLocks noGrp="1"/>
           </p:cNvSpPr>
@@ -787,18 +702,13 @@
               <a:rPr lang="pt-BR"/>
               <a:t>Clique para editar o título Mestre</a:t>
             </a:r>
-          </a:p>
-        </p:txBody>
-      </p:sp>
-      <p:sp>
-        <p:nvSpPr>
-          <p:cNvPr id="3" name="Espaço Reservado para Conteúdo 2">
-            <a:extLst>
-              <a:ext uri="{FF2B5EF4-FFF2-40B4-BE49-F238E27FC236}">
-                <a16:creationId xmlns:a16="http://schemas.microsoft.com/office/drawing/2014/main" id="{33BFABFF-0103-4224-967D-DE65F06D4EC0}"/>
-              </a:ext>
-            </a:extLst>
-          </p:cNvPr>
+            <a:endParaRPr lang="en-US" dirty="0"/>
+          </a:p>
+        </p:txBody>
+      </p:sp>
+      <p:sp>
+        <p:nvSpPr>
+          <p:cNvPr id="3" name="Content Placeholder 2"/>
           <p:cNvSpPr>
             <a:spLocks noGrp="1"/>
           </p:cNvSpPr>
@@ -844,18 +754,13 @@
               <a:rPr lang="pt-BR"/>
               <a:t>Quinto nível</a:t>
             </a:r>
-          </a:p>
-        </p:txBody>
-      </p:sp>
-      <p:sp>
-        <p:nvSpPr>
-          <p:cNvPr id="4" name="Espaço Reservado para Data 3">
-            <a:extLst>
-              <a:ext uri="{FF2B5EF4-FFF2-40B4-BE49-F238E27FC236}">
-                <a16:creationId xmlns:a16="http://schemas.microsoft.com/office/drawing/2014/main" id="{DF2C7130-1B0B-478E-82D0-F446B5D16786}"/>
-              </a:ext>
-            </a:extLst>
-          </p:cNvPr>
+            <a:endParaRPr lang="en-US" dirty="0"/>
+          </a:p>
+        </p:txBody>
+      </p:sp>
+      <p:sp>
+        <p:nvSpPr>
+          <p:cNvPr id="4" name="Date Placeholder 3"/>
           <p:cNvSpPr>
             <a:spLocks noGrp="1"/>
           </p:cNvSpPr>
@@ -870,7 +775,7 @@
           <a:p>
             <a:fld id="{380B573D-D865-4697-BA5F-8FE298F50E6D}" type="datetimeFigureOut">
               <a:rPr lang="pt-BR" smtClean="0"/>
-              <a:t>13/11/2019</a:t>
+              <a:t>15/11/2019</a:t>
             </a:fld>
             <a:endParaRPr lang="pt-BR"/>
           </a:p>
@@ -878,13 +783,7 @@
       </p:sp>
       <p:sp>
         <p:nvSpPr>
-          <p:cNvPr id="5" name="Espaço Reservado para Rodapé 4">
-            <a:extLst>
-              <a:ext uri="{FF2B5EF4-FFF2-40B4-BE49-F238E27FC236}">
-                <a16:creationId xmlns:a16="http://schemas.microsoft.com/office/drawing/2014/main" id="{715ECA3A-2C66-4AA5-92C9-BF0E4A142D58}"/>
-              </a:ext>
-            </a:extLst>
-          </p:cNvPr>
+          <p:cNvPr id="5" name="Footer Placeholder 4"/>
           <p:cNvSpPr>
             <a:spLocks noGrp="1"/>
           </p:cNvSpPr>
@@ -903,13 +802,7 @@
       </p:sp>
       <p:sp>
         <p:nvSpPr>
-          <p:cNvPr id="6" name="Espaço Reservado para Número de Slide 5">
-            <a:extLst>
-              <a:ext uri="{FF2B5EF4-FFF2-40B4-BE49-F238E27FC236}">
-                <a16:creationId xmlns:a16="http://schemas.microsoft.com/office/drawing/2014/main" id="{7DF4FFFF-15EE-4982-95F8-13E9E189E7AE}"/>
-              </a:ext>
-            </a:extLst>
-          </p:cNvPr>
+          <p:cNvPr id="6" name="Slide Number Placeholder 5"/>
           <p:cNvSpPr>
             <a:spLocks noGrp="1"/>
           </p:cNvSpPr>
@@ -933,7 +826,7 @@
     </p:spTree>
     <p:extLst>
       <p:ext uri="{BB962C8B-B14F-4D97-AF65-F5344CB8AC3E}">
-        <p14:creationId xmlns:p14="http://schemas.microsoft.com/office/powerpoint/2010/main" val="2630635404"/>
+        <p14:creationId xmlns:p14="http://schemas.microsoft.com/office/powerpoint/2010/main" val="1852054108"/>
       </p:ext>
     </p:extLst>
   </p:cSld>
@@ -962,13 +855,7 @@
       </p:grpSpPr>
       <p:sp>
         <p:nvSpPr>
-          <p:cNvPr id="2" name="Título 1">
-            <a:extLst>
-              <a:ext uri="{FF2B5EF4-FFF2-40B4-BE49-F238E27FC236}">
-                <a16:creationId xmlns:a16="http://schemas.microsoft.com/office/drawing/2014/main" id="{A5C75EBB-8D18-43B0-8FF3-2620E2236841}"/>
-              </a:ext>
-            </a:extLst>
-          </p:cNvPr>
+          <p:cNvPr id="2" name="Title 1"/>
           <p:cNvSpPr>
             <a:spLocks noGrp="1"/>
           </p:cNvSpPr>
@@ -994,18 +881,13 @@
               <a:rPr lang="pt-BR"/>
               <a:t>Clique para editar o título Mestre</a:t>
             </a:r>
-          </a:p>
-        </p:txBody>
-      </p:sp>
-      <p:sp>
-        <p:nvSpPr>
-          <p:cNvPr id="3" name="Espaço Reservado para Texto 2">
-            <a:extLst>
-              <a:ext uri="{FF2B5EF4-FFF2-40B4-BE49-F238E27FC236}">
-                <a16:creationId xmlns:a16="http://schemas.microsoft.com/office/drawing/2014/main" id="{8196150A-7566-4988-B3EC-D0E905903105}"/>
-              </a:ext>
-            </a:extLst>
-          </p:cNvPr>
+            <a:endParaRPr lang="en-US" dirty="0"/>
+          </a:p>
+        </p:txBody>
+      </p:sp>
+      <p:sp>
+        <p:nvSpPr>
+          <p:cNvPr id="3" name="Text Placeholder 2"/>
           <p:cNvSpPr>
             <a:spLocks noGrp="1"/>
           </p:cNvSpPr>
@@ -1124,13 +1006,7 @@
       </p:sp>
       <p:sp>
         <p:nvSpPr>
-          <p:cNvPr id="4" name="Espaço Reservado para Data 3">
-            <a:extLst>
-              <a:ext uri="{FF2B5EF4-FFF2-40B4-BE49-F238E27FC236}">
-                <a16:creationId xmlns:a16="http://schemas.microsoft.com/office/drawing/2014/main" id="{FEB1A5B5-8082-417E-A3AA-E2B13DC8526A}"/>
-              </a:ext>
-            </a:extLst>
-          </p:cNvPr>
+          <p:cNvPr id="4" name="Date Placeholder 3"/>
           <p:cNvSpPr>
             <a:spLocks noGrp="1"/>
           </p:cNvSpPr>
@@ -1145,7 +1021,7 @@
           <a:p>
             <a:fld id="{380B573D-D865-4697-BA5F-8FE298F50E6D}" type="datetimeFigureOut">
               <a:rPr lang="pt-BR" smtClean="0"/>
-              <a:t>13/11/2019</a:t>
+              <a:t>15/11/2019</a:t>
             </a:fld>
             <a:endParaRPr lang="pt-BR"/>
           </a:p>
@@ -1153,13 +1029,7 @@
       </p:sp>
       <p:sp>
         <p:nvSpPr>
-          <p:cNvPr id="5" name="Espaço Reservado para Rodapé 4">
-            <a:extLst>
-              <a:ext uri="{FF2B5EF4-FFF2-40B4-BE49-F238E27FC236}">
-                <a16:creationId xmlns:a16="http://schemas.microsoft.com/office/drawing/2014/main" id="{B9E4289F-F0AC-4352-9B94-39CFC5ABD48B}"/>
-              </a:ext>
-            </a:extLst>
-          </p:cNvPr>
+          <p:cNvPr id="5" name="Footer Placeholder 4"/>
           <p:cNvSpPr>
             <a:spLocks noGrp="1"/>
           </p:cNvSpPr>
@@ -1178,13 +1048,7 @@
       </p:sp>
       <p:sp>
         <p:nvSpPr>
-          <p:cNvPr id="6" name="Espaço Reservado para Número de Slide 5">
-            <a:extLst>
-              <a:ext uri="{FF2B5EF4-FFF2-40B4-BE49-F238E27FC236}">
-                <a16:creationId xmlns:a16="http://schemas.microsoft.com/office/drawing/2014/main" id="{8588CEE1-C816-4AF1-92AB-E86A3045D2C4}"/>
-              </a:ext>
-            </a:extLst>
-          </p:cNvPr>
+          <p:cNvPr id="6" name="Slide Number Placeholder 5"/>
           <p:cNvSpPr>
             <a:spLocks noGrp="1"/>
           </p:cNvSpPr>
@@ -1208,7 +1072,7 @@
     </p:spTree>
     <p:extLst>
       <p:ext uri="{BB962C8B-B14F-4D97-AF65-F5344CB8AC3E}">
-        <p14:creationId xmlns:p14="http://schemas.microsoft.com/office/powerpoint/2010/main" val="3047555814"/>
+        <p14:creationId xmlns:p14="http://schemas.microsoft.com/office/powerpoint/2010/main" val="3219882602"/>
       </p:ext>
     </p:extLst>
   </p:cSld>
@@ -1237,13 +1101,7 @@
       </p:grpSpPr>
       <p:sp>
         <p:nvSpPr>
-          <p:cNvPr id="2" name="Título 1">
-            <a:extLst>
-              <a:ext uri="{FF2B5EF4-FFF2-40B4-BE49-F238E27FC236}">
-                <a16:creationId xmlns:a16="http://schemas.microsoft.com/office/drawing/2014/main" id="{AB3B4D9E-7886-4A76-9624-40974BAB9A23}"/>
-              </a:ext>
-            </a:extLst>
-          </p:cNvPr>
+          <p:cNvPr id="2" name="Title 1"/>
           <p:cNvSpPr>
             <a:spLocks noGrp="1"/>
           </p:cNvSpPr>
@@ -1260,18 +1118,13 @@
               <a:rPr lang="pt-BR"/>
               <a:t>Clique para editar o título Mestre</a:t>
             </a:r>
-          </a:p>
-        </p:txBody>
-      </p:sp>
-      <p:sp>
-        <p:nvSpPr>
-          <p:cNvPr id="3" name="Espaço Reservado para Conteúdo 2">
-            <a:extLst>
-              <a:ext uri="{FF2B5EF4-FFF2-40B4-BE49-F238E27FC236}">
-                <a16:creationId xmlns:a16="http://schemas.microsoft.com/office/drawing/2014/main" id="{366E169C-A8DE-4A5E-B4B3-B47E0A758BA0}"/>
-              </a:ext>
-            </a:extLst>
-          </p:cNvPr>
+            <a:endParaRPr lang="en-US" dirty="0"/>
+          </a:p>
+        </p:txBody>
+      </p:sp>
+      <p:sp>
+        <p:nvSpPr>
+          <p:cNvPr id="3" name="Content Placeholder 2"/>
           <p:cNvSpPr>
             <a:spLocks noGrp="1"/>
           </p:cNvSpPr>
@@ -1322,18 +1175,13 @@
               <a:rPr lang="pt-BR"/>
               <a:t>Quinto nível</a:t>
             </a:r>
-          </a:p>
-        </p:txBody>
-      </p:sp>
-      <p:sp>
-        <p:nvSpPr>
-          <p:cNvPr id="4" name="Espaço Reservado para Conteúdo 3">
-            <a:extLst>
-              <a:ext uri="{FF2B5EF4-FFF2-40B4-BE49-F238E27FC236}">
-                <a16:creationId xmlns:a16="http://schemas.microsoft.com/office/drawing/2014/main" id="{F5F431A9-BDF4-47B5-9067-B6A69DE6D84B}"/>
-              </a:ext>
-            </a:extLst>
-          </p:cNvPr>
+            <a:endParaRPr lang="en-US" dirty="0"/>
+          </a:p>
+        </p:txBody>
+      </p:sp>
+      <p:sp>
+        <p:nvSpPr>
+          <p:cNvPr id="4" name="Content Placeholder 3"/>
           <p:cNvSpPr>
             <a:spLocks noGrp="1"/>
           </p:cNvSpPr>
@@ -1384,18 +1232,13 @@
               <a:rPr lang="pt-BR"/>
               <a:t>Quinto nível</a:t>
             </a:r>
-          </a:p>
-        </p:txBody>
-      </p:sp>
-      <p:sp>
-        <p:nvSpPr>
-          <p:cNvPr id="5" name="Espaço Reservado para Data 4">
-            <a:extLst>
-              <a:ext uri="{FF2B5EF4-FFF2-40B4-BE49-F238E27FC236}">
-                <a16:creationId xmlns:a16="http://schemas.microsoft.com/office/drawing/2014/main" id="{A26006AE-D3E1-4A14-9CAF-DBC86EEFB495}"/>
-              </a:ext>
-            </a:extLst>
-          </p:cNvPr>
+            <a:endParaRPr lang="en-US" dirty="0"/>
+          </a:p>
+        </p:txBody>
+      </p:sp>
+      <p:sp>
+        <p:nvSpPr>
+          <p:cNvPr id="5" name="Date Placeholder 4"/>
           <p:cNvSpPr>
             <a:spLocks noGrp="1"/>
           </p:cNvSpPr>
@@ -1410,7 +1253,7 @@
           <a:p>
             <a:fld id="{380B573D-D865-4697-BA5F-8FE298F50E6D}" type="datetimeFigureOut">
               <a:rPr lang="pt-BR" smtClean="0"/>
-              <a:t>13/11/2019</a:t>
+              <a:t>15/11/2019</a:t>
             </a:fld>
             <a:endParaRPr lang="pt-BR"/>
           </a:p>
@@ -1418,13 +1261,7 @@
       </p:sp>
       <p:sp>
         <p:nvSpPr>
-          <p:cNvPr id="6" name="Espaço Reservado para Rodapé 5">
-            <a:extLst>
-              <a:ext uri="{FF2B5EF4-FFF2-40B4-BE49-F238E27FC236}">
-                <a16:creationId xmlns:a16="http://schemas.microsoft.com/office/drawing/2014/main" id="{E67C0636-5925-4412-838F-B9B942F134ED}"/>
-              </a:ext>
-            </a:extLst>
-          </p:cNvPr>
+          <p:cNvPr id="6" name="Footer Placeholder 5"/>
           <p:cNvSpPr>
             <a:spLocks noGrp="1"/>
           </p:cNvSpPr>
@@ -1443,13 +1280,7 @@
       </p:sp>
       <p:sp>
         <p:nvSpPr>
-          <p:cNvPr id="7" name="Espaço Reservado para Número de Slide 6">
-            <a:extLst>
-              <a:ext uri="{FF2B5EF4-FFF2-40B4-BE49-F238E27FC236}">
-                <a16:creationId xmlns:a16="http://schemas.microsoft.com/office/drawing/2014/main" id="{3A1626AA-4097-44D4-A29C-95034199D549}"/>
-              </a:ext>
-            </a:extLst>
-          </p:cNvPr>
+          <p:cNvPr id="7" name="Slide Number Placeholder 6"/>
           <p:cNvSpPr>
             <a:spLocks noGrp="1"/>
           </p:cNvSpPr>
@@ -1473,7 +1304,7 @@
     </p:spTree>
     <p:extLst>
       <p:ext uri="{BB962C8B-B14F-4D97-AF65-F5344CB8AC3E}">
-        <p14:creationId xmlns:p14="http://schemas.microsoft.com/office/powerpoint/2010/main" val="2239143316"/>
+        <p14:creationId xmlns:p14="http://schemas.microsoft.com/office/powerpoint/2010/main" val="574998803"/>
       </p:ext>
     </p:extLst>
   </p:cSld>
@@ -1502,13 +1333,7 @@
       </p:grpSpPr>
       <p:sp>
         <p:nvSpPr>
-          <p:cNvPr id="2" name="Título 1">
-            <a:extLst>
-              <a:ext uri="{FF2B5EF4-FFF2-40B4-BE49-F238E27FC236}">
-                <a16:creationId xmlns:a16="http://schemas.microsoft.com/office/drawing/2014/main" id="{89DF0EFF-E882-4387-856D-4596E0385F6C}"/>
-              </a:ext>
-            </a:extLst>
-          </p:cNvPr>
+          <p:cNvPr id="2" name="Title 1"/>
           <p:cNvSpPr>
             <a:spLocks noGrp="1"/>
           </p:cNvSpPr>
@@ -1530,18 +1355,13 @@
               <a:rPr lang="pt-BR"/>
               <a:t>Clique para editar o título Mestre</a:t>
             </a:r>
-          </a:p>
-        </p:txBody>
-      </p:sp>
-      <p:sp>
-        <p:nvSpPr>
-          <p:cNvPr id="3" name="Espaço Reservado para Texto 2">
-            <a:extLst>
-              <a:ext uri="{FF2B5EF4-FFF2-40B4-BE49-F238E27FC236}">
-                <a16:creationId xmlns:a16="http://schemas.microsoft.com/office/drawing/2014/main" id="{282A3DEA-E2E3-498D-8298-5F38272F926A}"/>
-              </a:ext>
-            </a:extLst>
-          </p:cNvPr>
+            <a:endParaRPr lang="en-US" dirty="0"/>
+          </a:p>
+        </p:txBody>
+      </p:sp>
+      <p:sp>
+        <p:nvSpPr>
+          <p:cNvPr id="3" name="Text Placeholder 2"/>
           <p:cNvSpPr>
             <a:spLocks noGrp="1"/>
           </p:cNvSpPr>
@@ -1606,13 +1426,7 @@
       </p:sp>
       <p:sp>
         <p:nvSpPr>
-          <p:cNvPr id="4" name="Espaço Reservado para Conteúdo 3">
-            <a:extLst>
-              <a:ext uri="{FF2B5EF4-FFF2-40B4-BE49-F238E27FC236}">
-                <a16:creationId xmlns:a16="http://schemas.microsoft.com/office/drawing/2014/main" id="{B1EC28E5-1AD0-414B-91A7-0A122573B5A6}"/>
-              </a:ext>
-            </a:extLst>
-          </p:cNvPr>
+          <p:cNvPr id="4" name="Content Placeholder 3"/>
           <p:cNvSpPr>
             <a:spLocks noGrp="1"/>
           </p:cNvSpPr>
@@ -1663,18 +1477,13 @@
               <a:rPr lang="pt-BR"/>
               <a:t>Quinto nível</a:t>
             </a:r>
-          </a:p>
-        </p:txBody>
-      </p:sp>
-      <p:sp>
-        <p:nvSpPr>
-          <p:cNvPr id="5" name="Espaço Reservado para Texto 4">
-            <a:extLst>
-              <a:ext uri="{FF2B5EF4-FFF2-40B4-BE49-F238E27FC236}">
-                <a16:creationId xmlns:a16="http://schemas.microsoft.com/office/drawing/2014/main" id="{A08D5E82-9E6C-44AF-A2FC-598C65F920DA}"/>
-              </a:ext>
-            </a:extLst>
-          </p:cNvPr>
+            <a:endParaRPr lang="en-US" dirty="0"/>
+          </a:p>
+        </p:txBody>
+      </p:sp>
+      <p:sp>
+        <p:nvSpPr>
+          <p:cNvPr id="5" name="Text Placeholder 4"/>
           <p:cNvSpPr>
             <a:spLocks noGrp="1"/>
           </p:cNvSpPr>
@@ -1739,13 +1548,7 @@
       </p:sp>
       <p:sp>
         <p:nvSpPr>
-          <p:cNvPr id="6" name="Espaço Reservado para Conteúdo 5">
-            <a:extLst>
-              <a:ext uri="{FF2B5EF4-FFF2-40B4-BE49-F238E27FC236}">
-                <a16:creationId xmlns:a16="http://schemas.microsoft.com/office/drawing/2014/main" id="{6EB8FF23-7C29-4B0C-B460-2A3F5F1862C3}"/>
-              </a:ext>
-            </a:extLst>
-          </p:cNvPr>
+          <p:cNvPr id="6" name="Content Placeholder 5"/>
           <p:cNvSpPr>
             <a:spLocks noGrp="1"/>
           </p:cNvSpPr>
@@ -1796,18 +1599,13 @@
               <a:rPr lang="pt-BR"/>
               <a:t>Quinto nível</a:t>
             </a:r>
-          </a:p>
-        </p:txBody>
-      </p:sp>
-      <p:sp>
-        <p:nvSpPr>
-          <p:cNvPr id="7" name="Espaço Reservado para Data 6">
-            <a:extLst>
-              <a:ext uri="{FF2B5EF4-FFF2-40B4-BE49-F238E27FC236}">
-                <a16:creationId xmlns:a16="http://schemas.microsoft.com/office/drawing/2014/main" id="{212E04C8-3014-46AB-ABF7-E1129AE35B45}"/>
-              </a:ext>
-            </a:extLst>
-          </p:cNvPr>
+            <a:endParaRPr lang="en-US" dirty="0"/>
+          </a:p>
+        </p:txBody>
+      </p:sp>
+      <p:sp>
+        <p:nvSpPr>
+          <p:cNvPr id="7" name="Date Placeholder 6"/>
           <p:cNvSpPr>
             <a:spLocks noGrp="1"/>
           </p:cNvSpPr>
@@ -1822,7 +1620,7 @@
           <a:p>
             <a:fld id="{380B573D-D865-4697-BA5F-8FE298F50E6D}" type="datetimeFigureOut">
               <a:rPr lang="pt-BR" smtClean="0"/>
-              <a:t>13/11/2019</a:t>
+              <a:t>15/11/2019</a:t>
             </a:fld>
             <a:endParaRPr lang="pt-BR"/>
           </a:p>
@@ -1830,13 +1628,7 @@
       </p:sp>
       <p:sp>
         <p:nvSpPr>
-          <p:cNvPr id="8" name="Espaço Reservado para Rodapé 7">
-            <a:extLst>
-              <a:ext uri="{FF2B5EF4-FFF2-40B4-BE49-F238E27FC236}">
-                <a16:creationId xmlns:a16="http://schemas.microsoft.com/office/drawing/2014/main" id="{FEA7F03F-4C40-426B-A119-6EDBAF89CE83}"/>
-              </a:ext>
-            </a:extLst>
-          </p:cNvPr>
+          <p:cNvPr id="8" name="Footer Placeholder 7"/>
           <p:cNvSpPr>
             <a:spLocks noGrp="1"/>
           </p:cNvSpPr>
@@ -1855,13 +1647,7 @@
       </p:sp>
       <p:sp>
         <p:nvSpPr>
-          <p:cNvPr id="9" name="Espaço Reservado para Número de Slide 8">
-            <a:extLst>
-              <a:ext uri="{FF2B5EF4-FFF2-40B4-BE49-F238E27FC236}">
-                <a16:creationId xmlns:a16="http://schemas.microsoft.com/office/drawing/2014/main" id="{C055B38D-3D3F-4ED4-B241-6BAF4A3DEE53}"/>
-              </a:ext>
-            </a:extLst>
-          </p:cNvPr>
+          <p:cNvPr id="9" name="Slide Number Placeholder 8"/>
           <p:cNvSpPr>
             <a:spLocks noGrp="1"/>
           </p:cNvSpPr>
@@ -1885,7 +1671,7 @@
     </p:spTree>
     <p:extLst>
       <p:ext uri="{BB962C8B-B14F-4D97-AF65-F5344CB8AC3E}">
-        <p14:creationId xmlns:p14="http://schemas.microsoft.com/office/powerpoint/2010/main" val="2868699569"/>
+        <p14:creationId xmlns:p14="http://schemas.microsoft.com/office/powerpoint/2010/main" val="1483790865"/>
       </p:ext>
     </p:extLst>
   </p:cSld>
@@ -1914,13 +1700,7 @@
       </p:grpSpPr>
       <p:sp>
         <p:nvSpPr>
-          <p:cNvPr id="2" name="Título 1">
-            <a:extLst>
-              <a:ext uri="{FF2B5EF4-FFF2-40B4-BE49-F238E27FC236}">
-                <a16:creationId xmlns:a16="http://schemas.microsoft.com/office/drawing/2014/main" id="{DDFBEB42-0371-4B77-9C8B-0A17A500158E}"/>
-              </a:ext>
-            </a:extLst>
-          </p:cNvPr>
+          <p:cNvPr id="2" name="Title 1"/>
           <p:cNvSpPr>
             <a:spLocks noGrp="1"/>
           </p:cNvSpPr>
@@ -1937,18 +1717,13 @@
               <a:rPr lang="pt-BR"/>
               <a:t>Clique para editar o título Mestre</a:t>
             </a:r>
-          </a:p>
-        </p:txBody>
-      </p:sp>
-      <p:sp>
-        <p:nvSpPr>
-          <p:cNvPr id="3" name="Espaço Reservado para Data 2">
-            <a:extLst>
-              <a:ext uri="{FF2B5EF4-FFF2-40B4-BE49-F238E27FC236}">
-                <a16:creationId xmlns:a16="http://schemas.microsoft.com/office/drawing/2014/main" id="{7140860E-5166-4CBF-BC44-CF2360FC2447}"/>
-              </a:ext>
-            </a:extLst>
-          </p:cNvPr>
+            <a:endParaRPr lang="en-US" dirty="0"/>
+          </a:p>
+        </p:txBody>
+      </p:sp>
+      <p:sp>
+        <p:nvSpPr>
+          <p:cNvPr id="3" name="Date Placeholder 2"/>
           <p:cNvSpPr>
             <a:spLocks noGrp="1"/>
           </p:cNvSpPr>
@@ -1963,7 +1738,7 @@
           <a:p>
             <a:fld id="{380B573D-D865-4697-BA5F-8FE298F50E6D}" type="datetimeFigureOut">
               <a:rPr lang="pt-BR" smtClean="0"/>
-              <a:t>13/11/2019</a:t>
+              <a:t>15/11/2019</a:t>
             </a:fld>
             <a:endParaRPr lang="pt-BR"/>
           </a:p>
@@ -1971,13 +1746,7 @@
       </p:sp>
       <p:sp>
         <p:nvSpPr>
-          <p:cNvPr id="4" name="Espaço Reservado para Rodapé 3">
-            <a:extLst>
-              <a:ext uri="{FF2B5EF4-FFF2-40B4-BE49-F238E27FC236}">
-                <a16:creationId xmlns:a16="http://schemas.microsoft.com/office/drawing/2014/main" id="{6E06E1CC-E08F-469A-94D9-6EB143F53DB7}"/>
-              </a:ext>
-            </a:extLst>
-          </p:cNvPr>
+          <p:cNvPr id="4" name="Footer Placeholder 3"/>
           <p:cNvSpPr>
             <a:spLocks noGrp="1"/>
           </p:cNvSpPr>
@@ -1996,13 +1765,7 @@
       </p:sp>
       <p:sp>
         <p:nvSpPr>
-          <p:cNvPr id="5" name="Espaço Reservado para Número de Slide 4">
-            <a:extLst>
-              <a:ext uri="{FF2B5EF4-FFF2-40B4-BE49-F238E27FC236}">
-                <a16:creationId xmlns:a16="http://schemas.microsoft.com/office/drawing/2014/main" id="{6C1FC972-3F41-42E4-80C6-51B3BA6BCE85}"/>
-              </a:ext>
-            </a:extLst>
-          </p:cNvPr>
+          <p:cNvPr id="5" name="Slide Number Placeholder 4"/>
           <p:cNvSpPr>
             <a:spLocks noGrp="1"/>
           </p:cNvSpPr>
@@ -2026,7 +1789,7 @@
     </p:spTree>
     <p:extLst>
       <p:ext uri="{BB962C8B-B14F-4D97-AF65-F5344CB8AC3E}">
-        <p14:creationId xmlns:p14="http://schemas.microsoft.com/office/powerpoint/2010/main" val="2103968455"/>
+        <p14:creationId xmlns:p14="http://schemas.microsoft.com/office/powerpoint/2010/main" val="3849830090"/>
       </p:ext>
     </p:extLst>
   </p:cSld>
@@ -2055,13 +1818,7 @@
       </p:grpSpPr>
       <p:sp>
         <p:nvSpPr>
-          <p:cNvPr id="2" name="Espaço Reservado para Data 1">
-            <a:extLst>
-              <a:ext uri="{FF2B5EF4-FFF2-40B4-BE49-F238E27FC236}">
-                <a16:creationId xmlns:a16="http://schemas.microsoft.com/office/drawing/2014/main" id="{3CFE5AFA-52C0-4EC8-A860-6E157C7F4EA0}"/>
-              </a:ext>
-            </a:extLst>
-          </p:cNvPr>
+          <p:cNvPr id="2" name="Date Placeholder 1"/>
           <p:cNvSpPr>
             <a:spLocks noGrp="1"/>
           </p:cNvSpPr>
@@ -2076,7 +1833,7 @@
           <a:p>
             <a:fld id="{380B573D-D865-4697-BA5F-8FE298F50E6D}" type="datetimeFigureOut">
               <a:rPr lang="pt-BR" smtClean="0"/>
-              <a:t>13/11/2019</a:t>
+              <a:t>15/11/2019</a:t>
             </a:fld>
             <a:endParaRPr lang="pt-BR"/>
           </a:p>
@@ -2084,13 +1841,7 @@
       </p:sp>
       <p:sp>
         <p:nvSpPr>
-          <p:cNvPr id="3" name="Espaço Reservado para Rodapé 2">
-            <a:extLst>
-              <a:ext uri="{FF2B5EF4-FFF2-40B4-BE49-F238E27FC236}">
-                <a16:creationId xmlns:a16="http://schemas.microsoft.com/office/drawing/2014/main" id="{3518B616-9A1F-4209-9A85-EC210C6949AD}"/>
-              </a:ext>
-            </a:extLst>
-          </p:cNvPr>
+          <p:cNvPr id="3" name="Footer Placeholder 2"/>
           <p:cNvSpPr>
             <a:spLocks noGrp="1"/>
           </p:cNvSpPr>
@@ -2109,13 +1860,7 @@
       </p:sp>
       <p:sp>
         <p:nvSpPr>
-          <p:cNvPr id="4" name="Espaço Reservado para Número de Slide 3">
-            <a:extLst>
-              <a:ext uri="{FF2B5EF4-FFF2-40B4-BE49-F238E27FC236}">
-                <a16:creationId xmlns:a16="http://schemas.microsoft.com/office/drawing/2014/main" id="{6021D063-3773-4A3F-94D1-9250B450C318}"/>
-              </a:ext>
-            </a:extLst>
-          </p:cNvPr>
+          <p:cNvPr id="4" name="Slide Number Placeholder 3"/>
           <p:cNvSpPr>
             <a:spLocks noGrp="1"/>
           </p:cNvSpPr>
@@ -2139,7 +1884,7 @@
     </p:spTree>
     <p:extLst>
       <p:ext uri="{BB962C8B-B14F-4D97-AF65-F5344CB8AC3E}">
-        <p14:creationId xmlns:p14="http://schemas.microsoft.com/office/powerpoint/2010/main" val="2146343829"/>
+        <p14:creationId xmlns:p14="http://schemas.microsoft.com/office/powerpoint/2010/main" val="3868665900"/>
       </p:ext>
     </p:extLst>
   </p:cSld>
@@ -2168,13 +1913,7 @@
       </p:grpSpPr>
       <p:sp>
         <p:nvSpPr>
-          <p:cNvPr id="2" name="Título 1">
-            <a:extLst>
-              <a:ext uri="{FF2B5EF4-FFF2-40B4-BE49-F238E27FC236}">
-                <a16:creationId xmlns:a16="http://schemas.microsoft.com/office/drawing/2014/main" id="{C6773D66-817B-4608-B404-711FD2F353E1}"/>
-              </a:ext>
-            </a:extLst>
-          </p:cNvPr>
+          <p:cNvPr id="2" name="Title 1"/>
           <p:cNvSpPr>
             <a:spLocks noGrp="1"/>
           </p:cNvSpPr>
@@ -2200,18 +1939,13 @@
               <a:rPr lang="pt-BR"/>
               <a:t>Clique para editar o título Mestre</a:t>
             </a:r>
-          </a:p>
-        </p:txBody>
-      </p:sp>
-      <p:sp>
-        <p:nvSpPr>
-          <p:cNvPr id="3" name="Espaço Reservado para Conteúdo 2">
-            <a:extLst>
-              <a:ext uri="{FF2B5EF4-FFF2-40B4-BE49-F238E27FC236}">
-                <a16:creationId xmlns:a16="http://schemas.microsoft.com/office/drawing/2014/main" id="{ECF66CF5-382D-49D0-850D-353CD1CEBE05}"/>
-              </a:ext>
-            </a:extLst>
-          </p:cNvPr>
+            <a:endParaRPr lang="en-US" dirty="0"/>
+          </a:p>
+        </p:txBody>
+      </p:sp>
+      <p:sp>
+        <p:nvSpPr>
+          <p:cNvPr id="3" name="Content Placeholder 2"/>
           <p:cNvSpPr>
             <a:spLocks noGrp="1"/>
           </p:cNvSpPr>
@@ -2290,18 +2024,13 @@
               <a:rPr lang="pt-BR"/>
               <a:t>Quinto nível</a:t>
             </a:r>
-          </a:p>
-        </p:txBody>
-      </p:sp>
-      <p:sp>
-        <p:nvSpPr>
-          <p:cNvPr id="4" name="Espaço Reservado para Texto 3">
-            <a:extLst>
-              <a:ext uri="{FF2B5EF4-FFF2-40B4-BE49-F238E27FC236}">
-                <a16:creationId xmlns:a16="http://schemas.microsoft.com/office/drawing/2014/main" id="{5CBEE4EB-ADE5-4964-935E-36AF517ACC86}"/>
-              </a:ext>
-            </a:extLst>
-          </p:cNvPr>
+            <a:endParaRPr lang="en-US" dirty="0"/>
+          </a:p>
+        </p:txBody>
+      </p:sp>
+      <p:sp>
+        <p:nvSpPr>
+          <p:cNvPr id="4" name="Text Placeholder 3"/>
           <p:cNvSpPr>
             <a:spLocks noGrp="1"/>
           </p:cNvSpPr>
@@ -2366,13 +2095,7 @@
       </p:sp>
       <p:sp>
         <p:nvSpPr>
-          <p:cNvPr id="5" name="Espaço Reservado para Data 4">
-            <a:extLst>
-              <a:ext uri="{FF2B5EF4-FFF2-40B4-BE49-F238E27FC236}">
-                <a16:creationId xmlns:a16="http://schemas.microsoft.com/office/drawing/2014/main" id="{06CC9DDE-84D6-4D89-A4E1-AF9D804788E3}"/>
-              </a:ext>
-            </a:extLst>
-          </p:cNvPr>
+          <p:cNvPr id="5" name="Date Placeholder 4"/>
           <p:cNvSpPr>
             <a:spLocks noGrp="1"/>
           </p:cNvSpPr>
@@ -2387,7 +2110,7 @@
           <a:p>
             <a:fld id="{380B573D-D865-4697-BA5F-8FE298F50E6D}" type="datetimeFigureOut">
               <a:rPr lang="pt-BR" smtClean="0"/>
-              <a:t>13/11/2019</a:t>
+              <a:t>15/11/2019</a:t>
             </a:fld>
             <a:endParaRPr lang="pt-BR"/>
           </a:p>
@@ -2395,13 +2118,7 @@
       </p:sp>
       <p:sp>
         <p:nvSpPr>
-          <p:cNvPr id="6" name="Espaço Reservado para Rodapé 5">
-            <a:extLst>
-              <a:ext uri="{FF2B5EF4-FFF2-40B4-BE49-F238E27FC236}">
-                <a16:creationId xmlns:a16="http://schemas.microsoft.com/office/drawing/2014/main" id="{1E024A51-38D1-4DCA-805B-89C3D02A3135}"/>
-              </a:ext>
-            </a:extLst>
-          </p:cNvPr>
+          <p:cNvPr id="6" name="Footer Placeholder 5"/>
           <p:cNvSpPr>
             <a:spLocks noGrp="1"/>
           </p:cNvSpPr>
@@ -2420,13 +2137,7 @@
       </p:sp>
       <p:sp>
         <p:nvSpPr>
-          <p:cNvPr id="7" name="Espaço Reservado para Número de Slide 6">
-            <a:extLst>
-              <a:ext uri="{FF2B5EF4-FFF2-40B4-BE49-F238E27FC236}">
-                <a16:creationId xmlns:a16="http://schemas.microsoft.com/office/drawing/2014/main" id="{C2496C74-E2A1-45C4-9B57-0A5B69B83E32}"/>
-              </a:ext>
-            </a:extLst>
-          </p:cNvPr>
+          <p:cNvPr id="7" name="Slide Number Placeholder 6"/>
           <p:cNvSpPr>
             <a:spLocks noGrp="1"/>
           </p:cNvSpPr>
@@ -2450,7 +2161,7 @@
     </p:spTree>
     <p:extLst>
       <p:ext uri="{BB962C8B-B14F-4D97-AF65-F5344CB8AC3E}">
-        <p14:creationId xmlns:p14="http://schemas.microsoft.com/office/powerpoint/2010/main" val="3729135707"/>
+        <p14:creationId xmlns:p14="http://schemas.microsoft.com/office/powerpoint/2010/main" val="3148411097"/>
       </p:ext>
     </p:extLst>
   </p:cSld>
@@ -2479,13 +2190,7 @@
       </p:grpSpPr>
       <p:sp>
         <p:nvSpPr>
-          <p:cNvPr id="2" name="Título 1">
-            <a:extLst>
-              <a:ext uri="{FF2B5EF4-FFF2-40B4-BE49-F238E27FC236}">
-                <a16:creationId xmlns:a16="http://schemas.microsoft.com/office/drawing/2014/main" id="{437BE525-1DCF-4A14-BE07-142A11660319}"/>
-              </a:ext>
-            </a:extLst>
-          </p:cNvPr>
+          <p:cNvPr id="2" name="Title 1"/>
           <p:cNvSpPr>
             <a:spLocks noGrp="1"/>
           </p:cNvSpPr>
@@ -2511,20 +2216,15 @@
               <a:rPr lang="pt-BR"/>
               <a:t>Clique para editar o título Mestre</a:t>
             </a:r>
-          </a:p>
-        </p:txBody>
-      </p:sp>
-      <p:sp>
-        <p:nvSpPr>
-          <p:cNvPr id="3" name="Espaço Reservado para Imagem 2">
-            <a:extLst>
-              <a:ext uri="{FF2B5EF4-FFF2-40B4-BE49-F238E27FC236}">
-                <a16:creationId xmlns:a16="http://schemas.microsoft.com/office/drawing/2014/main" id="{909FDDA2-7D7C-49FA-BD58-DBCF7E8225A0}"/>
-              </a:ext>
-            </a:extLst>
-          </p:cNvPr>
-          <p:cNvSpPr>
-            <a:spLocks noGrp="1"/>
+            <a:endParaRPr lang="en-US" dirty="0"/>
+          </a:p>
+        </p:txBody>
+      </p:sp>
+      <p:sp>
+        <p:nvSpPr>
+          <p:cNvPr id="3" name="Picture Placeholder 2"/>
+          <p:cNvSpPr>
+            <a:spLocks noGrp="1" noChangeAspect="1"/>
           </p:cNvSpPr>
           <p:nvPr>
             <p:ph type="pic" idx="1"/>
@@ -2537,7 +2237,7 @@
           </a:xfrm>
         </p:spPr>
         <p:txBody>
-          <a:bodyPr/>
+          <a:bodyPr anchor="t"/>
           <a:lstStyle>
             <a:lvl1pPr marL="0" indent="0">
               <a:buNone/>
@@ -2577,19 +2277,17 @@
             </a:lvl9pPr>
           </a:lstStyle>
           <a:p>
-            <a:endParaRPr lang="pt-BR"/>
-          </a:p>
-        </p:txBody>
-      </p:sp>
-      <p:sp>
-        <p:nvSpPr>
-          <p:cNvPr id="4" name="Espaço Reservado para Texto 3">
-            <a:extLst>
-              <a:ext uri="{FF2B5EF4-FFF2-40B4-BE49-F238E27FC236}">
-                <a16:creationId xmlns:a16="http://schemas.microsoft.com/office/drawing/2014/main" id="{F66EA7BF-564B-43E8-BD97-CA12A32AB006}"/>
-              </a:ext>
-            </a:extLst>
-          </p:cNvPr>
+            <a:r>
+              <a:rPr lang="pt-BR"/>
+              <a:t>Clique no ícone para adicionar uma imagem</a:t>
+            </a:r>
+            <a:endParaRPr lang="en-US" dirty="0"/>
+          </a:p>
+        </p:txBody>
+      </p:sp>
+      <p:sp>
+        <p:nvSpPr>
+          <p:cNvPr id="4" name="Text Placeholder 3"/>
           <p:cNvSpPr>
             <a:spLocks noGrp="1"/>
           </p:cNvSpPr>
@@ -2654,13 +2352,7 @@
       </p:sp>
       <p:sp>
         <p:nvSpPr>
-          <p:cNvPr id="5" name="Espaço Reservado para Data 4">
-            <a:extLst>
-              <a:ext uri="{FF2B5EF4-FFF2-40B4-BE49-F238E27FC236}">
-                <a16:creationId xmlns:a16="http://schemas.microsoft.com/office/drawing/2014/main" id="{A0766C67-77BE-48EB-83E4-4E47CB5DF7E3}"/>
-              </a:ext>
-            </a:extLst>
-          </p:cNvPr>
+          <p:cNvPr id="5" name="Date Placeholder 4"/>
           <p:cNvSpPr>
             <a:spLocks noGrp="1"/>
           </p:cNvSpPr>
@@ -2675,7 +2367,7 @@
           <a:p>
             <a:fld id="{380B573D-D865-4697-BA5F-8FE298F50E6D}" type="datetimeFigureOut">
               <a:rPr lang="pt-BR" smtClean="0"/>
-              <a:t>13/11/2019</a:t>
+              <a:t>15/11/2019</a:t>
             </a:fld>
             <a:endParaRPr lang="pt-BR"/>
           </a:p>
@@ -2683,13 +2375,7 @@
       </p:sp>
       <p:sp>
         <p:nvSpPr>
-          <p:cNvPr id="6" name="Espaço Reservado para Rodapé 5">
-            <a:extLst>
-              <a:ext uri="{FF2B5EF4-FFF2-40B4-BE49-F238E27FC236}">
-                <a16:creationId xmlns:a16="http://schemas.microsoft.com/office/drawing/2014/main" id="{07634C30-B0E2-4AB2-9BF1-51B0C5FCB18F}"/>
-              </a:ext>
-            </a:extLst>
-          </p:cNvPr>
+          <p:cNvPr id="6" name="Footer Placeholder 5"/>
           <p:cNvSpPr>
             <a:spLocks noGrp="1"/>
           </p:cNvSpPr>
@@ -2708,13 +2394,7 @@
       </p:sp>
       <p:sp>
         <p:nvSpPr>
-          <p:cNvPr id="7" name="Espaço Reservado para Número de Slide 6">
-            <a:extLst>
-              <a:ext uri="{FF2B5EF4-FFF2-40B4-BE49-F238E27FC236}">
-                <a16:creationId xmlns:a16="http://schemas.microsoft.com/office/drawing/2014/main" id="{3FA4A551-FF34-4D9B-805D-4DE015714900}"/>
-              </a:ext>
-            </a:extLst>
-          </p:cNvPr>
+          <p:cNvPr id="7" name="Slide Number Placeholder 6"/>
           <p:cNvSpPr>
             <a:spLocks noGrp="1"/>
           </p:cNvSpPr>
@@ -2738,7 +2418,7 @@
     </p:spTree>
     <p:extLst>
       <p:ext uri="{BB962C8B-B14F-4D97-AF65-F5344CB8AC3E}">
-        <p14:creationId xmlns:p14="http://schemas.microsoft.com/office/powerpoint/2010/main" val="2144524307"/>
+        <p14:creationId xmlns:p14="http://schemas.microsoft.com/office/powerpoint/2010/main" val="1377885493"/>
       </p:ext>
     </p:extLst>
   </p:cSld>
@@ -2752,8 +2432,8 @@
 <p:sldMaster xmlns:a="http://schemas.openxmlformats.org/drawingml/2006/main" xmlns:r="http://schemas.openxmlformats.org/officeDocument/2006/relationships" xmlns:p="http://schemas.openxmlformats.org/presentationml/2006/main">
   <p:cSld>
     <p:bg>
-      <p:bgRef idx="1001">
-        <a:schemeClr val="bg1"/>
+      <p:bgRef idx="1003">
+        <a:schemeClr val="bg2"/>
       </p:bgRef>
     </p:bg>
     <p:spTree>
@@ -2772,13 +2452,7 @@
       </p:grpSpPr>
       <p:sp>
         <p:nvSpPr>
-          <p:cNvPr id="2" name="Espaço Reservado para Título 1">
-            <a:extLst>
-              <a:ext uri="{FF2B5EF4-FFF2-40B4-BE49-F238E27FC236}">
-                <a16:creationId xmlns:a16="http://schemas.microsoft.com/office/drawing/2014/main" id="{29B4B3A6-2FA9-44CD-AC78-09FCFF87BE23}"/>
-              </a:ext>
-            </a:extLst>
-          </p:cNvPr>
+          <p:cNvPr id="2" name="Title Placeholder 1"/>
           <p:cNvSpPr>
             <a:spLocks noGrp="1"/>
           </p:cNvSpPr>
@@ -2805,18 +2479,13 @@
               <a:rPr lang="pt-BR"/>
               <a:t>Clique para editar o título Mestre</a:t>
             </a:r>
-          </a:p>
-        </p:txBody>
-      </p:sp>
-      <p:sp>
-        <p:nvSpPr>
-          <p:cNvPr id="3" name="Espaço Reservado para Texto 2">
-            <a:extLst>
-              <a:ext uri="{FF2B5EF4-FFF2-40B4-BE49-F238E27FC236}">
-                <a16:creationId xmlns:a16="http://schemas.microsoft.com/office/drawing/2014/main" id="{04D44691-DD1A-4F80-90A3-B8F608EB50D6}"/>
-              </a:ext>
-            </a:extLst>
-          </p:cNvPr>
+            <a:endParaRPr lang="en-US" dirty="0"/>
+          </a:p>
+        </p:txBody>
+      </p:sp>
+      <p:sp>
+        <p:nvSpPr>
+          <p:cNvPr id="3" name="Text Placeholder 2"/>
           <p:cNvSpPr>
             <a:spLocks noGrp="1"/>
           </p:cNvSpPr>
@@ -2872,18 +2541,13 @@
               <a:rPr lang="pt-BR"/>
               <a:t>Quinto nível</a:t>
             </a:r>
-          </a:p>
-        </p:txBody>
-      </p:sp>
-      <p:sp>
-        <p:nvSpPr>
-          <p:cNvPr id="4" name="Espaço Reservado para Data 3">
-            <a:extLst>
-              <a:ext uri="{FF2B5EF4-FFF2-40B4-BE49-F238E27FC236}">
-                <a16:creationId xmlns:a16="http://schemas.microsoft.com/office/drawing/2014/main" id="{BA558E36-CE31-4DE9-90B4-6742A6DDF3DE}"/>
-              </a:ext>
-            </a:extLst>
-          </p:cNvPr>
+            <a:endParaRPr lang="en-US" dirty="0"/>
+          </a:p>
+        </p:txBody>
+      </p:sp>
+      <p:sp>
+        <p:nvSpPr>
+          <p:cNvPr id="4" name="Date Placeholder 3"/>
           <p:cNvSpPr>
             <a:spLocks noGrp="1"/>
           </p:cNvSpPr>
@@ -2916,7 +2580,7 @@
           <a:p>
             <a:fld id="{380B573D-D865-4697-BA5F-8FE298F50E6D}" type="datetimeFigureOut">
               <a:rPr lang="pt-BR" smtClean="0"/>
-              <a:t>13/11/2019</a:t>
+              <a:t>15/11/2019</a:t>
             </a:fld>
             <a:endParaRPr lang="pt-BR"/>
           </a:p>
@@ -2924,13 +2588,7 @@
       </p:sp>
       <p:sp>
         <p:nvSpPr>
-          <p:cNvPr id="5" name="Espaço Reservado para Rodapé 4">
-            <a:extLst>
-              <a:ext uri="{FF2B5EF4-FFF2-40B4-BE49-F238E27FC236}">
-                <a16:creationId xmlns:a16="http://schemas.microsoft.com/office/drawing/2014/main" id="{517526AB-F79F-4CD4-865A-C7587035E046}"/>
-              </a:ext>
-            </a:extLst>
-          </p:cNvPr>
+          <p:cNvPr id="5" name="Footer Placeholder 4"/>
           <p:cNvSpPr>
             <a:spLocks noGrp="1"/>
           </p:cNvSpPr>
@@ -2967,13 +2625,7 @@
       </p:sp>
       <p:sp>
         <p:nvSpPr>
-          <p:cNvPr id="6" name="Espaço Reservado para Número de Slide 5">
-            <a:extLst>
-              <a:ext uri="{FF2B5EF4-FFF2-40B4-BE49-F238E27FC236}">
-                <a16:creationId xmlns:a16="http://schemas.microsoft.com/office/drawing/2014/main" id="{E5FB31ED-BD92-4372-842B-F27F11B39A4D}"/>
-              </a:ext>
-            </a:extLst>
-          </p:cNvPr>
+          <p:cNvPr id="6" name="Slide Number Placeholder 5"/>
           <p:cNvSpPr>
             <a:spLocks noGrp="1"/>
           </p:cNvSpPr>
@@ -3015,23 +2667,23 @@
     </p:spTree>
     <p:extLst>
       <p:ext uri="{BB962C8B-B14F-4D97-AF65-F5344CB8AC3E}">
-        <p14:creationId xmlns:p14="http://schemas.microsoft.com/office/powerpoint/2010/main" val="2830624774"/>
+        <p14:creationId xmlns:p14="http://schemas.microsoft.com/office/powerpoint/2010/main" val="757265201"/>
       </p:ext>
     </p:extLst>
   </p:cSld>
   <p:clrMap bg1="lt1" tx1="dk1" bg2="lt2" tx2="dk2" accent1="accent1" accent2="accent2" accent3="accent3" accent4="accent4" accent5="accent5" accent6="accent6" hlink="hlink" folHlink="folHlink"/>
   <p:sldLayoutIdLst>
-    <p:sldLayoutId id="2147483649" r:id="rId1"/>
-    <p:sldLayoutId id="2147483650" r:id="rId2"/>
-    <p:sldLayoutId id="2147483651" r:id="rId3"/>
-    <p:sldLayoutId id="2147483652" r:id="rId4"/>
-    <p:sldLayoutId id="2147483653" r:id="rId5"/>
-    <p:sldLayoutId id="2147483654" r:id="rId6"/>
-    <p:sldLayoutId id="2147483655" r:id="rId7"/>
-    <p:sldLayoutId id="2147483656" r:id="rId8"/>
-    <p:sldLayoutId id="2147483657" r:id="rId9"/>
-    <p:sldLayoutId id="2147483658" r:id="rId10"/>
-    <p:sldLayoutId id="2147483659" r:id="rId11"/>
+    <p:sldLayoutId id="2147483661" r:id="rId1"/>
+    <p:sldLayoutId id="2147483662" r:id="rId2"/>
+    <p:sldLayoutId id="2147483663" r:id="rId3"/>
+    <p:sldLayoutId id="2147483664" r:id="rId4"/>
+    <p:sldLayoutId id="2147483665" r:id="rId5"/>
+    <p:sldLayoutId id="2147483666" r:id="rId6"/>
+    <p:sldLayoutId id="2147483667" r:id="rId7"/>
+    <p:sldLayoutId id="2147483668" r:id="rId8"/>
+    <p:sldLayoutId id="2147483669" r:id="rId9"/>
+    <p:sldLayoutId id="2147483670" r:id="rId10"/>
+    <p:sldLayoutId id="2147483671" r:id="rId11"/>
   </p:sldLayoutIdLst>
   <p:txStyles>
     <p:titleStyle>
@@ -3219,7 +2871,7 @@
     </p:bodyStyle>
     <p:otherStyle>
       <a:defPPr>
-        <a:defRPr lang="pt-BR"/>
+        <a:defRPr lang="en-US"/>
       </a:defPPr>
       <a:lvl1pPr marL="0" algn="l" defTabSz="914400" rtl="0" eaLnBrk="1" latinLnBrk="0" hangingPunct="1">
         <a:defRPr sz="1800" kern="1200">
@@ -3400,6 +3052,259 @@
           <a:chExt cx="0" cy="0"/>
         </a:xfrm>
       </p:grpSpPr>
+      <p:pic>
+        <p:nvPicPr>
+          <p:cNvPr id="3" name="Imagem 2" descr="Uma imagem contendo flor, desenho, camisa&#10;&#10;Descrição gerada automaticamente">
+            <a:extLst>
+              <a:ext uri="{FF2B5EF4-FFF2-40B4-BE49-F238E27FC236}">
+                <a16:creationId xmlns:a16="http://schemas.microsoft.com/office/drawing/2014/main" id="{8003B5AD-B6C5-4BF5-AEFA-E471C6D14F0A}"/>
+              </a:ext>
+            </a:extLst>
+          </p:cNvPr>
+          <p:cNvPicPr>
+            <a:picLocks noChangeAspect="1"/>
+          </p:cNvPicPr>
+          <p:nvPr/>
+        </p:nvPicPr>
+        <p:blipFill rotWithShape="1">
+          <a:blip r:embed="rId2">
+            <a:alphaModFix/>
+            <a:extLst>
+              <a:ext uri="{28A0092B-C50C-407E-A947-70E740481C1C}">
+                <a14:useLocalDpi xmlns:a14="http://schemas.microsoft.com/office/drawing/2010/main" val="0"/>
+              </a:ext>
+            </a:extLst>
+          </a:blip>
+          <a:srcRect l="2207" r="10895" b="3"/>
+          <a:stretch/>
+        </p:blipFill>
+        <p:spPr>
+          <a:xfrm>
+            <a:off x="89701" y="680336"/>
+            <a:ext cx="5298683" cy="6097438"/>
+          </a:xfrm>
+          <a:custGeom>
+            <a:avLst/>
+            <a:gdLst>
+              <a:gd name="connsiteX0" fmla="*/ 2178155 w 5298683"/>
+              <a:gd name="connsiteY0" fmla="*/ 0 h 6097438"/>
+              <a:gd name="connsiteX1" fmla="*/ 5298683 w 5298683"/>
+              <a:gd name="connsiteY1" fmla="*/ 3120527 h 6097438"/>
+              <a:gd name="connsiteX2" fmla="*/ 3392805 w 5298683"/>
+              <a:gd name="connsiteY2" fmla="*/ 5995828 h 6097438"/>
+              <a:gd name="connsiteX3" fmla="*/ 3115184 w 5298683"/>
+              <a:gd name="connsiteY3" fmla="*/ 6097438 h 6097438"/>
+              <a:gd name="connsiteX4" fmla="*/ 1241127 w 5298683"/>
+              <a:gd name="connsiteY4" fmla="*/ 6097438 h 6097438"/>
+              <a:gd name="connsiteX5" fmla="*/ 963506 w 5298683"/>
+              <a:gd name="connsiteY5" fmla="*/ 5995828 h 6097438"/>
+              <a:gd name="connsiteX6" fmla="*/ 193210 w 5298683"/>
+              <a:gd name="connsiteY6" fmla="*/ 5528477 h 6097438"/>
+              <a:gd name="connsiteX7" fmla="*/ 0 w 5298683"/>
+              <a:gd name="connsiteY7" fmla="*/ 5352876 h 6097438"/>
+              <a:gd name="connsiteX8" fmla="*/ 0 w 5298683"/>
+              <a:gd name="connsiteY8" fmla="*/ 888178 h 6097438"/>
+              <a:gd name="connsiteX9" fmla="*/ 193210 w 5298683"/>
+              <a:gd name="connsiteY9" fmla="*/ 712577 h 6097438"/>
+              <a:gd name="connsiteX10" fmla="*/ 2178155 w 5298683"/>
+              <a:gd name="connsiteY10" fmla="*/ 0 h 6097438"/>
+            </a:gdLst>
+            <a:ahLst/>
+            <a:cxnLst>
+              <a:cxn ang="0">
+                <a:pos x="connsiteX0" y="connsiteY0"/>
+              </a:cxn>
+              <a:cxn ang="0">
+                <a:pos x="connsiteX1" y="connsiteY1"/>
+              </a:cxn>
+              <a:cxn ang="0">
+                <a:pos x="connsiteX2" y="connsiteY2"/>
+              </a:cxn>
+              <a:cxn ang="0">
+                <a:pos x="connsiteX3" y="connsiteY3"/>
+              </a:cxn>
+              <a:cxn ang="0">
+                <a:pos x="connsiteX4" y="connsiteY4"/>
+              </a:cxn>
+              <a:cxn ang="0">
+                <a:pos x="connsiteX5" y="connsiteY5"/>
+              </a:cxn>
+              <a:cxn ang="0">
+                <a:pos x="connsiteX6" y="connsiteY6"/>
+              </a:cxn>
+              <a:cxn ang="0">
+                <a:pos x="connsiteX7" y="connsiteY7"/>
+              </a:cxn>
+              <a:cxn ang="0">
+                <a:pos x="connsiteX8" y="connsiteY8"/>
+              </a:cxn>
+              <a:cxn ang="0">
+                <a:pos x="connsiteX9" y="connsiteY9"/>
+              </a:cxn>
+              <a:cxn ang="0">
+                <a:pos x="connsiteX10" y="connsiteY10"/>
+              </a:cxn>
+            </a:cxnLst>
+            <a:rect l="l" t="t" r="r" b="b"/>
+            <a:pathLst>
+              <a:path w="5298683" h="6097438">
+                <a:moveTo>
+                  <a:pt x="2178155" y="0"/>
+                </a:moveTo>
+                <a:cubicBezTo>
+                  <a:pt x="3901575" y="0"/>
+                  <a:pt x="5298683" y="1397108"/>
+                  <a:pt x="5298683" y="3120527"/>
+                </a:cubicBezTo>
+                <a:cubicBezTo>
+                  <a:pt x="5298683" y="4413092"/>
+                  <a:pt x="4512810" y="5522106"/>
+                  <a:pt x="3392805" y="5995828"/>
+                </a:cubicBezTo>
+                <a:lnTo>
+                  <a:pt x="3115184" y="6097438"/>
+                </a:lnTo>
+                <a:lnTo>
+                  <a:pt x="1241127" y="6097438"/>
+                </a:lnTo>
+                <a:lnTo>
+                  <a:pt x="963506" y="5995828"/>
+                </a:lnTo>
+                <a:cubicBezTo>
+                  <a:pt x="683504" y="5877397"/>
+                  <a:pt x="424387" y="5719261"/>
+                  <a:pt x="193210" y="5528477"/>
+                </a:cubicBezTo>
+                <a:lnTo>
+                  <a:pt x="0" y="5352876"/>
+                </a:lnTo>
+                <a:lnTo>
+                  <a:pt x="0" y="888178"/>
+                </a:lnTo>
+                <a:lnTo>
+                  <a:pt x="193210" y="712577"/>
+                </a:lnTo>
+                <a:cubicBezTo>
+                  <a:pt x="732621" y="267415"/>
+                  <a:pt x="1424159" y="0"/>
+                  <a:pt x="2178155" y="0"/>
+                </a:cubicBezTo>
+                <a:close/>
+              </a:path>
+            </a:pathLst>
+          </a:custGeom>
+          <a:effectLst>
+            <a:softEdge rad="0"/>
+          </a:effectLst>
+        </p:spPr>
+      </p:pic>
+      <p:sp>
+        <p:nvSpPr>
+          <p:cNvPr id="5" name="Retângulo: Cantos Arredondados 4">
+            <a:extLst>
+              <a:ext uri="{FF2B5EF4-FFF2-40B4-BE49-F238E27FC236}">
+                <a16:creationId xmlns:a16="http://schemas.microsoft.com/office/drawing/2014/main" id="{B14DE6B9-0CFE-4832-9BE6-84105C167462}"/>
+              </a:ext>
+            </a:extLst>
+          </p:cNvPr>
+          <p:cNvSpPr/>
+          <p:nvPr/>
+        </p:nvSpPr>
+        <p:spPr>
+          <a:xfrm>
+            <a:off x="6803618" y="1913205"/>
+            <a:ext cx="4754881" cy="2194560"/>
+          </a:xfrm>
+          <a:prstGeom prst="roundRect">
+            <a:avLst/>
+          </a:prstGeom>
+          <a:solidFill>
+            <a:srgbClr val="320072"/>
+          </a:solidFill>
+        </p:spPr>
+        <p:style>
+          <a:lnRef idx="2">
+            <a:schemeClr val="accent1">
+              <a:shade val="50000"/>
+            </a:schemeClr>
+          </a:lnRef>
+          <a:fillRef idx="1">
+            <a:schemeClr val="accent1"/>
+          </a:fillRef>
+          <a:effectRef idx="0">
+            <a:schemeClr val="accent1"/>
+          </a:effectRef>
+          <a:fontRef idx="minor">
+            <a:schemeClr val="lt1"/>
+          </a:fontRef>
+        </p:style>
+        <p:txBody>
+          <a:bodyPr rtlCol="0" anchor="ctr"/>
+          <a:lstStyle/>
+          <a:p>
+            <a:pPr algn="ctr"/>
+            <a:endParaRPr lang="pt-BR" dirty="0"/>
+          </a:p>
+        </p:txBody>
+      </p:sp>
+      <p:sp>
+        <p:nvSpPr>
+          <p:cNvPr id="4" name="CaixaDeTexto 3">
+            <a:extLst>
+              <a:ext uri="{FF2B5EF4-FFF2-40B4-BE49-F238E27FC236}">
+                <a16:creationId xmlns:a16="http://schemas.microsoft.com/office/drawing/2014/main" id="{0B9AF9B3-8D2B-475B-B83C-A4EF46D587B7}"/>
+              </a:ext>
+            </a:extLst>
+          </p:cNvPr>
+          <p:cNvSpPr txBox="1"/>
+          <p:nvPr/>
+        </p:nvSpPr>
+        <p:spPr>
+          <a:xfrm>
+            <a:off x="6803618" y="2331720"/>
+            <a:ext cx="4805996" cy="2194560"/>
+          </a:xfrm>
+          <a:prstGeom prst="rect">
+            <a:avLst/>
+          </a:prstGeom>
+        </p:spPr>
+        <p:txBody>
+          <a:bodyPr vert="horz" lIns="91440" tIns="45720" rIns="91440" bIns="45720" rtlCol="0" anchor="t">
+            <a:normAutofit/>
+          </a:bodyPr>
+          <a:lstStyle/>
+          <a:p>
+            <a:pPr algn="ctr">
+              <a:lnSpc>
+                <a:spcPct val="90000"/>
+              </a:lnSpc>
+              <a:spcBef>
+                <a:spcPct val="0"/>
+              </a:spcBef>
+              <a:spcAft>
+                <a:spcPts val="600"/>
+              </a:spcAft>
+            </a:pPr>
+            <a:r>
+              <a:rPr lang="en-US" sz="8800" dirty="0" err="1">
+                <a:solidFill>
+                  <a:srgbClr val="FDCC34"/>
+                </a:solidFill>
+                <a:ea typeface="Batang" panose="020B0503020000020004" pitchFamily="18" charset="-127"/>
+                <a:cs typeface="+mj-cs"/>
+              </a:rPr>
+              <a:t>Inovação</a:t>
+            </a:r>
+            <a:endParaRPr lang="en-US" sz="8800" dirty="0">
+              <a:solidFill>
+                <a:srgbClr val="FDCC34"/>
+              </a:solidFill>
+              <a:ea typeface="Batang" panose="020B0503020000020004" pitchFamily="18" charset="-127"/>
+              <a:cs typeface="+mj-cs"/>
+            </a:endParaRPr>
+          </a:p>
+        </p:txBody>
+      </p:sp>
     </p:spTree>
     <p:extLst>
       <p:ext uri="{BB962C8B-B14F-4D97-AF65-F5344CB8AC3E}">
@@ -3430,10 +3335,180 @@
           <a:chExt cx="0" cy="0"/>
         </a:xfrm>
       </p:grpSpPr>
+      <p:pic>
+        <p:nvPicPr>
+          <p:cNvPr id="3" name="Imagem 2" descr="Tela de computador com texto preto sobre fundo branco&#10;&#10;Descrição gerada automaticamente">
+            <a:extLst>
+              <a:ext uri="{FF2B5EF4-FFF2-40B4-BE49-F238E27FC236}">
+                <a16:creationId xmlns:a16="http://schemas.microsoft.com/office/drawing/2014/main" id="{01513067-F123-46DF-B8A8-6EDFC668A942}"/>
+              </a:ext>
+            </a:extLst>
+          </p:cNvPr>
+          <p:cNvPicPr>
+            <a:picLocks noChangeAspect="1"/>
+          </p:cNvPicPr>
+          <p:nvPr/>
+        </p:nvPicPr>
+        <p:blipFill rotWithShape="1">
+          <a:blip r:embed="rId2">
+            <a:extLst>
+              <a:ext uri="{28A0092B-C50C-407E-A947-70E740481C1C}">
+                <a14:useLocalDpi xmlns:a14="http://schemas.microsoft.com/office/drawing/2010/main" val="0"/>
+              </a:ext>
+            </a:extLst>
+          </a:blip>
+          <a:srcRect l="87" r="1" b="1"/>
+          <a:stretch/>
+        </p:blipFill>
+        <p:spPr>
+          <a:xfrm>
+            <a:off x="20" y="10"/>
+            <a:ext cx="12191980" cy="6040296"/>
+          </a:xfrm>
+          <a:custGeom>
+            <a:avLst/>
+            <a:gdLst>
+              <a:gd name="connsiteX0" fmla="*/ 0 w 12192000"/>
+              <a:gd name="connsiteY0" fmla="*/ 0 h 6040306"/>
+              <a:gd name="connsiteX1" fmla="*/ 12192000 w 12192000"/>
+              <a:gd name="connsiteY1" fmla="*/ 0 h 6040306"/>
+              <a:gd name="connsiteX2" fmla="*/ 12192000 w 12192000"/>
+              <a:gd name="connsiteY2" fmla="*/ 4211076 h 6040306"/>
+              <a:gd name="connsiteX3" fmla="*/ 11340591 w 12192000"/>
+              <a:gd name="connsiteY3" fmla="*/ 6040306 h 6040306"/>
+              <a:gd name="connsiteX4" fmla="*/ 10860731 w 12192000"/>
+              <a:gd name="connsiteY4" fmla="*/ 6040306 h 6040306"/>
+              <a:gd name="connsiteX5" fmla="*/ 9808950 w 12192000"/>
+              <a:gd name="connsiteY5" fmla="*/ 6040306 h 6040306"/>
+              <a:gd name="connsiteX6" fmla="*/ 5960209 w 12192000"/>
+              <a:gd name="connsiteY6" fmla="*/ 6040306 h 6040306"/>
+              <a:gd name="connsiteX7" fmla="*/ 5480349 w 12192000"/>
+              <a:gd name="connsiteY7" fmla="*/ 6040306 h 6040306"/>
+              <a:gd name="connsiteX8" fmla="*/ 5096434 w 12192000"/>
+              <a:gd name="connsiteY8" fmla="*/ 6040306 h 6040306"/>
+              <a:gd name="connsiteX9" fmla="*/ 4428567 w 12192000"/>
+              <a:gd name="connsiteY9" fmla="*/ 6040306 h 6040306"/>
+              <a:gd name="connsiteX10" fmla="*/ 0 w 12192000"/>
+              <a:gd name="connsiteY10" fmla="*/ 6040306 h 6040306"/>
+            </a:gdLst>
+            <a:ahLst/>
+            <a:cxnLst>
+              <a:cxn ang="0">
+                <a:pos x="connsiteX0" y="connsiteY0"/>
+              </a:cxn>
+              <a:cxn ang="0">
+                <a:pos x="connsiteX1" y="connsiteY1"/>
+              </a:cxn>
+              <a:cxn ang="0">
+                <a:pos x="connsiteX2" y="connsiteY2"/>
+              </a:cxn>
+              <a:cxn ang="0">
+                <a:pos x="connsiteX3" y="connsiteY3"/>
+              </a:cxn>
+              <a:cxn ang="0">
+                <a:pos x="connsiteX4" y="connsiteY4"/>
+              </a:cxn>
+              <a:cxn ang="0">
+                <a:pos x="connsiteX5" y="connsiteY5"/>
+              </a:cxn>
+              <a:cxn ang="0">
+                <a:pos x="connsiteX6" y="connsiteY6"/>
+              </a:cxn>
+              <a:cxn ang="0">
+                <a:pos x="connsiteX7" y="connsiteY7"/>
+              </a:cxn>
+              <a:cxn ang="0">
+                <a:pos x="connsiteX8" y="connsiteY8"/>
+              </a:cxn>
+              <a:cxn ang="0">
+                <a:pos x="connsiteX9" y="connsiteY9"/>
+              </a:cxn>
+              <a:cxn ang="0">
+                <a:pos x="connsiteX10" y="connsiteY10"/>
+              </a:cxn>
+            </a:cxnLst>
+            <a:rect l="l" t="t" r="r" b="b"/>
+            <a:pathLst>
+              <a:path w="12192000" h="6040306">
+                <a:moveTo>
+                  <a:pt x="0" y="0"/>
+                </a:moveTo>
+                <a:lnTo>
+                  <a:pt x="12192000" y="0"/>
+                </a:lnTo>
+                <a:lnTo>
+                  <a:pt x="12192000" y="4211076"/>
+                </a:lnTo>
+                <a:lnTo>
+                  <a:pt x="11340591" y="6040306"/>
+                </a:lnTo>
+                <a:lnTo>
+                  <a:pt x="10860731" y="6040306"/>
+                </a:lnTo>
+                <a:lnTo>
+                  <a:pt x="9808950" y="6040306"/>
+                </a:lnTo>
+                <a:lnTo>
+                  <a:pt x="5960209" y="6040306"/>
+                </a:lnTo>
+                <a:lnTo>
+                  <a:pt x="5480349" y="6040306"/>
+                </a:lnTo>
+                <a:lnTo>
+                  <a:pt x="5096434" y="6040306"/>
+                </a:lnTo>
+                <a:lnTo>
+                  <a:pt x="4428567" y="6040306"/>
+                </a:lnTo>
+                <a:lnTo>
+                  <a:pt x="0" y="6040306"/>
+                </a:lnTo>
+                <a:close/>
+              </a:path>
+            </a:pathLst>
+          </a:custGeom>
+        </p:spPr>
+      </p:pic>
+      <p:pic>
+        <p:nvPicPr>
+          <p:cNvPr id="5" name="Imagem 4" descr="Uma imagem contendo flor, desenho, camisa&#10;&#10;Descrição gerada automaticamente">
+            <a:extLst>
+              <a:ext uri="{FF2B5EF4-FFF2-40B4-BE49-F238E27FC236}">
+                <a16:creationId xmlns:a16="http://schemas.microsoft.com/office/drawing/2014/main" id="{40758596-2ACB-4AB8-ADF7-6B53287772E9}"/>
+              </a:ext>
+            </a:extLst>
+          </p:cNvPr>
+          <p:cNvPicPr>
+            <a:picLocks noChangeAspect="1"/>
+          </p:cNvPicPr>
+          <p:nvPr/>
+        </p:nvPicPr>
+        <p:blipFill>
+          <a:blip r:embed="rId3">
+            <a:extLst>
+              <a:ext uri="{28A0092B-C50C-407E-A947-70E740481C1C}">
+                <a14:useLocalDpi xmlns:a14="http://schemas.microsoft.com/office/drawing/2010/main" val="0"/>
+              </a:ext>
+            </a:extLst>
+          </a:blip>
+          <a:stretch>
+            <a:fillRect/>
+          </a:stretch>
+        </p:blipFill>
+        <p:spPr>
+          <a:xfrm>
+            <a:off x="10916530" y="5617092"/>
+            <a:ext cx="1195643" cy="1195643"/>
+          </a:xfrm>
+          <a:prstGeom prst="rect">
+            <a:avLst/>
+          </a:prstGeom>
+        </p:spPr>
+      </p:pic>
     </p:spTree>
     <p:extLst>
       <p:ext uri="{BB962C8B-B14F-4D97-AF65-F5344CB8AC3E}">
-        <p14:creationId xmlns:p14="http://schemas.microsoft.com/office/powerpoint/2010/main" val="1213928465"/>
+        <p14:creationId xmlns:p14="http://schemas.microsoft.com/office/powerpoint/2010/main" val="995922610"/>
       </p:ext>
     </p:extLst>
   </p:cSld>
@@ -3446,6 +3521,38 @@
 <file path=ppt/slides/slide12.xml><?xml version="1.0" encoding="utf-8"?>
 <p:sld xmlns:a="http://schemas.openxmlformats.org/drawingml/2006/main" xmlns:r="http://schemas.openxmlformats.org/officeDocument/2006/relationships" xmlns:p="http://schemas.openxmlformats.org/presentationml/2006/main">
   <p:cSld>
+    <p:bg>
+      <p:bgPr>
+        <a:gradFill rotWithShape="1">
+          <a:gsLst>
+            <a:gs pos="0">
+              <a:schemeClr val="bg2">
+                <a:tint val="93000"/>
+                <a:satMod val="150000"/>
+                <a:shade val="98000"/>
+                <a:lumMod val="102000"/>
+              </a:schemeClr>
+            </a:gs>
+            <a:gs pos="0">
+              <a:schemeClr val="bg2">
+                <a:tint val="98000"/>
+                <a:satMod val="130000"/>
+                <a:shade val="90000"/>
+                <a:lumMod val="103000"/>
+              </a:schemeClr>
+            </a:gs>
+            <a:gs pos="100000">
+              <a:schemeClr val="bg2">
+                <a:shade val="63000"/>
+                <a:satMod val="120000"/>
+              </a:schemeClr>
+            </a:gs>
+          </a:gsLst>
+          <a:lin ang="5400000" scaled="0"/>
+        </a:gradFill>
+        <a:effectLst/>
+      </p:bgPr>
+    </p:bg>
     <p:spTree>
       <p:nvGrpSpPr>
         <p:cNvPr id="1" name=""/>
@@ -3460,6 +3567,226 @@
           <a:chExt cx="0" cy="0"/>
         </a:xfrm>
       </p:grpSpPr>
+      <p:pic>
+        <p:nvPicPr>
+          <p:cNvPr id="2" name="Imagem 1" descr="Uma imagem contendo flor, desenho&#10;&#10;Descrição gerada automaticamente">
+            <a:extLst>
+              <a:ext uri="{FF2B5EF4-FFF2-40B4-BE49-F238E27FC236}">
+                <a16:creationId xmlns:a16="http://schemas.microsoft.com/office/drawing/2014/main" id="{D5C8E7DE-CE76-4583-A0A9-A6D8F8E69E11}"/>
+              </a:ext>
+            </a:extLst>
+          </p:cNvPr>
+          <p:cNvPicPr>
+            <a:picLocks noChangeAspect="1"/>
+          </p:cNvPicPr>
+          <p:nvPr/>
+        </p:nvPicPr>
+        <p:blipFill>
+          <a:blip r:embed="rId2">
+            <a:extLst>
+              <a:ext uri="{28A0092B-C50C-407E-A947-70E740481C1C}">
+                <a14:useLocalDpi xmlns:a14="http://schemas.microsoft.com/office/drawing/2010/main" val="0"/>
+              </a:ext>
+            </a:extLst>
+          </a:blip>
+          <a:stretch>
+            <a:fillRect/>
+          </a:stretch>
+        </p:blipFill>
+        <p:spPr>
+          <a:xfrm>
+            <a:off x="182880" y="2162855"/>
+            <a:ext cx="1933804" cy="1527619"/>
+          </a:xfrm>
+          <a:prstGeom prst="rect">
+            <a:avLst/>
+          </a:prstGeom>
+        </p:spPr>
+      </p:pic>
+      <p:pic>
+        <p:nvPicPr>
+          <p:cNvPr id="3" name="Imagem 2">
+            <a:extLst>
+              <a:ext uri="{FF2B5EF4-FFF2-40B4-BE49-F238E27FC236}">
+                <a16:creationId xmlns:a16="http://schemas.microsoft.com/office/drawing/2014/main" id="{BD7B2A2A-76A1-41DC-989F-6FEB8F254878}"/>
+              </a:ext>
+            </a:extLst>
+          </p:cNvPr>
+          <p:cNvPicPr>
+            <a:picLocks noChangeAspect="1"/>
+          </p:cNvPicPr>
+          <p:nvPr/>
+        </p:nvPicPr>
+        <p:blipFill>
+          <a:blip r:embed="rId3">
+            <a:extLst>
+              <a:ext uri="{28A0092B-C50C-407E-A947-70E740481C1C}">
+                <a14:useLocalDpi xmlns:a14="http://schemas.microsoft.com/office/drawing/2010/main" val="0"/>
+              </a:ext>
+            </a:extLst>
+          </a:blip>
+          <a:stretch>
+            <a:fillRect/>
+          </a:stretch>
+        </p:blipFill>
+        <p:spPr>
+          <a:xfrm>
+            <a:off x="2813261" y="2162855"/>
+            <a:ext cx="1582667" cy="1582667"/>
+          </a:xfrm>
+          <a:prstGeom prst="rect">
+            <a:avLst/>
+          </a:prstGeom>
+        </p:spPr>
+      </p:pic>
+      <p:pic>
+        <p:nvPicPr>
+          <p:cNvPr id="4" name="Imagem 3" descr="Uma imagem contendo flor, desenho, camisa&#10;&#10;Descrição gerada automaticamente">
+            <a:extLst>
+              <a:ext uri="{FF2B5EF4-FFF2-40B4-BE49-F238E27FC236}">
+                <a16:creationId xmlns:a16="http://schemas.microsoft.com/office/drawing/2014/main" id="{C2638DA4-0B4F-4C41-8C66-2C42C5AB25B3}"/>
+              </a:ext>
+            </a:extLst>
+          </p:cNvPr>
+          <p:cNvPicPr>
+            <a:picLocks noChangeAspect="1"/>
+          </p:cNvPicPr>
+          <p:nvPr/>
+        </p:nvPicPr>
+        <p:blipFill>
+          <a:blip r:embed="rId4">
+            <a:extLst>
+              <a:ext uri="{28A0092B-C50C-407E-A947-70E740481C1C}">
+                <a14:useLocalDpi xmlns:a14="http://schemas.microsoft.com/office/drawing/2010/main" val="0"/>
+              </a:ext>
+            </a:extLst>
+          </a:blip>
+          <a:stretch>
+            <a:fillRect/>
+          </a:stretch>
+        </p:blipFill>
+        <p:spPr>
+          <a:xfrm>
+            <a:off x="10916530" y="5617092"/>
+            <a:ext cx="1195643" cy="1195643"/>
+          </a:xfrm>
+          <a:prstGeom prst="rect">
+            <a:avLst/>
+          </a:prstGeom>
+        </p:spPr>
+      </p:pic>
+      <p:sp>
+        <p:nvSpPr>
+          <p:cNvPr id="5" name="Seta: Curva para Baixo 4">
+            <a:extLst>
+              <a:ext uri="{FF2B5EF4-FFF2-40B4-BE49-F238E27FC236}">
+                <a16:creationId xmlns:a16="http://schemas.microsoft.com/office/drawing/2014/main" id="{092267A9-468A-42C1-88BA-FA7543DBF102}"/>
+              </a:ext>
+            </a:extLst>
+          </p:cNvPr>
+          <p:cNvSpPr/>
+          <p:nvPr/>
+        </p:nvSpPr>
+        <p:spPr>
+          <a:xfrm>
+            <a:off x="1286413" y="1353962"/>
+            <a:ext cx="2166980" cy="604911"/>
+          </a:xfrm>
+          <a:prstGeom prst="curvedDownArrow">
+            <a:avLst/>
+          </a:prstGeom>
+          <a:solidFill>
+            <a:srgbClr val="0079D6"/>
+          </a:solidFill>
+          <a:ln>
+            <a:noFill/>
+          </a:ln>
+        </p:spPr>
+        <p:style>
+          <a:lnRef idx="2">
+            <a:schemeClr val="accent1">
+              <a:shade val="50000"/>
+            </a:schemeClr>
+          </a:lnRef>
+          <a:fillRef idx="1">
+            <a:schemeClr val="accent1"/>
+          </a:fillRef>
+          <a:effectRef idx="0">
+            <a:schemeClr val="accent1"/>
+          </a:effectRef>
+          <a:fontRef idx="minor">
+            <a:schemeClr val="lt1"/>
+          </a:fontRef>
+        </p:style>
+        <p:txBody>
+          <a:bodyPr rtlCol="0" anchor="ctr"/>
+          <a:lstStyle/>
+          <a:p>
+            <a:pPr algn="ctr"/>
+            <a:endParaRPr lang="pt-BR">
+              <a:solidFill>
+                <a:schemeClr val="tx1"/>
+              </a:solidFill>
+            </a:endParaRPr>
+          </a:p>
+        </p:txBody>
+      </p:sp>
+      <p:sp>
+        <p:nvSpPr>
+          <p:cNvPr id="9" name="Seta: Curva para Baixo 8">
+            <a:extLst>
+              <a:ext uri="{FF2B5EF4-FFF2-40B4-BE49-F238E27FC236}">
+                <a16:creationId xmlns:a16="http://schemas.microsoft.com/office/drawing/2014/main" id="{E42E2272-5EF2-4105-82C2-7CD38C1ADE14}"/>
+              </a:ext>
+            </a:extLst>
+          </p:cNvPr>
+          <p:cNvSpPr/>
+          <p:nvPr/>
+        </p:nvSpPr>
+        <p:spPr>
+          <a:xfrm rot="10642708">
+            <a:off x="1162481" y="3739714"/>
+            <a:ext cx="2166980" cy="604911"/>
+          </a:xfrm>
+          <a:prstGeom prst="curvedDownArrow">
+            <a:avLst/>
+          </a:prstGeom>
+          <a:solidFill>
+            <a:srgbClr val="0079D6"/>
+          </a:solidFill>
+          <a:ln>
+            <a:noFill/>
+          </a:ln>
+        </p:spPr>
+        <p:style>
+          <a:lnRef idx="2">
+            <a:schemeClr val="accent1">
+              <a:shade val="50000"/>
+            </a:schemeClr>
+          </a:lnRef>
+          <a:fillRef idx="1">
+            <a:schemeClr val="accent1"/>
+          </a:fillRef>
+          <a:effectRef idx="0">
+            <a:schemeClr val="accent1"/>
+          </a:effectRef>
+          <a:fontRef idx="minor">
+            <a:schemeClr val="lt1"/>
+          </a:fontRef>
+        </p:style>
+        <p:txBody>
+          <a:bodyPr rtlCol="0" anchor="ctr"/>
+          <a:lstStyle/>
+          <a:p>
+            <a:pPr algn="ctr"/>
+            <a:endParaRPr lang="pt-BR">
+              <a:solidFill>
+                <a:schemeClr val="tx1"/>
+              </a:solidFill>
+            </a:endParaRPr>
+          </a:p>
+        </p:txBody>
+      </p:sp>
     </p:spTree>
     <p:extLst>
       <p:ext uri="{BB962C8B-B14F-4D97-AF65-F5344CB8AC3E}">
@@ -4153,9 +4480,9 @@
 </file>
 
 <file path=ppt/theme/theme1.xml><?xml version="1.0" encoding="utf-8"?>
-<a:theme xmlns:a="http://schemas.openxmlformats.org/drawingml/2006/main" name="Tema do Office">
+<a:theme xmlns:a="http://schemas.openxmlformats.org/drawingml/2006/main" name="Office Theme">
   <a:themeElements>
-    <a:clrScheme name="Office">
+    <a:clrScheme name="Tema do Office">
       <a:dk1>
         <a:sysClr val="windowText" lastClr="000000"/>
       </a:dk1>
@@ -4169,22 +4496,22 @@
         <a:srgbClr val="E7E6E6"/>
       </a:lt2>
       <a:accent1>
-        <a:srgbClr val="4472C4"/>
+        <a:srgbClr val="1D9A78"/>
       </a:accent1>
       <a:accent2>
-        <a:srgbClr val="ED7D31"/>
+        <a:srgbClr val="8BC145"/>
       </a:accent2>
       <a:accent3>
-        <a:srgbClr val="A5A5A5"/>
+        <a:srgbClr val="36AFCE"/>
       </a:accent3>
       <a:accent4>
-        <a:srgbClr val="FFC000"/>
+        <a:srgbClr val="1D6FA9"/>
       </a:accent4>
       <a:accent5>
-        <a:srgbClr val="5B9BD5"/>
+        <a:srgbClr val="B74919"/>
       </a:accent5>
       <a:accent6>
-        <a:srgbClr val="70AD47"/>
+        <a:srgbClr val="F19D19"/>
       </a:accent6>
       <a:hlink>
         <a:srgbClr val="0563C1"/>
@@ -4193,7 +4520,7 @@
         <a:srgbClr val="954F72"/>
       </a:folHlink>
     </a:clrScheme>
-    <a:fontScheme name="Office">
+    <a:fontScheme name="Tema do Office">
       <a:majorFont>
         <a:latin typeface="Calibri Light" panose="020F0302020204030204"/>
         <a:ea typeface=""/>
@@ -4228,23 +4555,6 @@
         <a:font script="Viet" typeface="Times New Roman"/>
         <a:font script="Uigh" typeface="Microsoft Uighur"/>
         <a:font script="Geor" typeface="Sylfaen"/>
-        <a:font script="Armn" typeface="Arial"/>
-        <a:font script="Bugi" typeface="Leelawadee UI"/>
-        <a:font script="Bopo" typeface="Microsoft JhengHei"/>
-        <a:font script="Java" typeface="Javanese Text"/>
-        <a:font script="Lisu" typeface="Segoe UI"/>
-        <a:font script="Mymr" typeface="Myanmar Text"/>
-        <a:font script="Nkoo" typeface="Ebrima"/>
-        <a:font script="Olck" typeface="Nirmala UI"/>
-        <a:font script="Osma" typeface="Ebrima"/>
-        <a:font script="Phag" typeface="Phagspa"/>
-        <a:font script="Syrn" typeface="Estrangelo Edessa"/>
-        <a:font script="Syrj" typeface="Estrangelo Edessa"/>
-        <a:font script="Syre" typeface="Estrangelo Edessa"/>
-        <a:font script="Sora" typeface="Nirmala UI"/>
-        <a:font script="Tale" typeface="Microsoft Tai Le"/>
-        <a:font script="Talu" typeface="Microsoft New Tai Lue"/>
-        <a:font script="Tfng" typeface="Ebrima"/>
       </a:majorFont>
       <a:minorFont>
         <a:latin typeface="Calibri" panose="020F0502020204030204"/>
@@ -4280,26 +4590,9 @@
         <a:font script="Viet" typeface="Arial"/>
         <a:font script="Uigh" typeface="Microsoft Uighur"/>
         <a:font script="Geor" typeface="Sylfaen"/>
-        <a:font script="Armn" typeface="Arial"/>
-        <a:font script="Bugi" typeface="Leelawadee UI"/>
-        <a:font script="Bopo" typeface="Microsoft JhengHei"/>
-        <a:font script="Java" typeface="Javanese Text"/>
-        <a:font script="Lisu" typeface="Segoe UI"/>
-        <a:font script="Mymr" typeface="Myanmar Text"/>
-        <a:font script="Nkoo" typeface="Ebrima"/>
-        <a:font script="Olck" typeface="Nirmala UI"/>
-        <a:font script="Osma" typeface="Ebrima"/>
-        <a:font script="Phag" typeface="Phagspa"/>
-        <a:font script="Syrn" typeface="Estrangelo Edessa"/>
-        <a:font script="Syrj" typeface="Estrangelo Edessa"/>
-        <a:font script="Syre" typeface="Estrangelo Edessa"/>
-        <a:font script="Sora" typeface="Nirmala UI"/>
-        <a:font script="Tale" typeface="Microsoft Tai Le"/>
-        <a:font script="Talu" typeface="Microsoft New Tai Lue"/>
-        <a:font script="Tfng" typeface="Ebrima"/>
       </a:minorFont>
     </a:fontScheme>
-    <a:fmtScheme name="Office">
+    <a:fmtScheme name="Tema do Office">
       <a:fillStyleLst>
         <a:solidFill>
           <a:schemeClr val="phClr"/>
@@ -4441,7 +4734,7 @@
   <a:extraClrSchemeLst/>
   <a:extLst>
     <a:ext uri="{05A4C25C-085E-4340-85A3-A5531E510DB2}">
-      <thm15:themeFamily xmlns:thm15="http://schemas.microsoft.com/office/thememl/2012/main" name="Office Theme" id="{62F939B6-93AF-4DB8-9C6B-D6C7DFDC589F}" vid="{4A3C46E8-61CC-4603-A589-7422A47A8E4A}"/>
+      <thm15:themeFamily xmlns:thm15="http://schemas.microsoft.com/office/thememl/2012/main" name="Office Theme" id="{62F939B6-93AF-4DB8-9C6B-D6C7DFDC589F}" vid="{AE6F2518-B084-4896-AF52-66CC2144AA26}"/>
     </a:ext>
   </a:extLst>
 </a:theme>

--- a/Documentação/Deep dive.pptx
+++ b/Documentação/Deep dive.pptx
@@ -16,8 +16,10 @@
     <p:sldId id="269" r:id="rId10"/>
     <p:sldId id="259" r:id="rId11"/>
     <p:sldId id="270" r:id="rId12"/>
-    <p:sldId id="261" r:id="rId13"/>
+    <p:sldId id="275" r:id="rId13"/>
     <p:sldId id="262" r:id="rId14"/>
+    <p:sldId id="272" r:id="rId15"/>
+    <p:sldId id="274" r:id="rId16"/>
   </p:sldIdLst>
   <p:sldSz cx="12192000" cy="6858000"/>
   <p:notesSz cx="6858000" cy="9144000"/>
@@ -255,7 +257,7 @@
           <a:p>
             <a:fld id="{380B573D-D865-4697-BA5F-8FE298F50E6D}" type="datetimeFigureOut">
               <a:rPr lang="pt-BR" smtClean="0"/>
-              <a:t>15/11/2019</a:t>
+              <a:t>22/11/2019</a:t>
             </a:fld>
             <a:endParaRPr lang="pt-BR"/>
           </a:p>
@@ -425,7 +427,7 @@
           <a:p>
             <a:fld id="{380B573D-D865-4697-BA5F-8FE298F50E6D}" type="datetimeFigureOut">
               <a:rPr lang="pt-BR" smtClean="0"/>
-              <a:t>15/11/2019</a:t>
+              <a:t>22/11/2019</a:t>
             </a:fld>
             <a:endParaRPr lang="pt-BR"/>
           </a:p>
@@ -605,7 +607,7 @@
           <a:p>
             <a:fld id="{380B573D-D865-4697-BA5F-8FE298F50E6D}" type="datetimeFigureOut">
               <a:rPr lang="pt-BR" smtClean="0"/>
-              <a:t>15/11/2019</a:t>
+              <a:t>22/11/2019</a:t>
             </a:fld>
             <a:endParaRPr lang="pt-BR"/>
           </a:p>
@@ -775,7 +777,7 @@
           <a:p>
             <a:fld id="{380B573D-D865-4697-BA5F-8FE298F50E6D}" type="datetimeFigureOut">
               <a:rPr lang="pt-BR" smtClean="0"/>
-              <a:t>15/11/2019</a:t>
+              <a:t>22/11/2019</a:t>
             </a:fld>
             <a:endParaRPr lang="pt-BR"/>
           </a:p>
@@ -1021,7 +1023,7 @@
           <a:p>
             <a:fld id="{380B573D-D865-4697-BA5F-8FE298F50E6D}" type="datetimeFigureOut">
               <a:rPr lang="pt-BR" smtClean="0"/>
-              <a:t>15/11/2019</a:t>
+              <a:t>22/11/2019</a:t>
             </a:fld>
             <a:endParaRPr lang="pt-BR"/>
           </a:p>
@@ -1253,7 +1255,7 @@
           <a:p>
             <a:fld id="{380B573D-D865-4697-BA5F-8FE298F50E6D}" type="datetimeFigureOut">
               <a:rPr lang="pt-BR" smtClean="0"/>
-              <a:t>15/11/2019</a:t>
+              <a:t>22/11/2019</a:t>
             </a:fld>
             <a:endParaRPr lang="pt-BR"/>
           </a:p>
@@ -1620,7 +1622,7 @@
           <a:p>
             <a:fld id="{380B573D-D865-4697-BA5F-8FE298F50E6D}" type="datetimeFigureOut">
               <a:rPr lang="pt-BR" smtClean="0"/>
-              <a:t>15/11/2019</a:t>
+              <a:t>22/11/2019</a:t>
             </a:fld>
             <a:endParaRPr lang="pt-BR"/>
           </a:p>
@@ -1738,7 +1740,7 @@
           <a:p>
             <a:fld id="{380B573D-D865-4697-BA5F-8FE298F50E6D}" type="datetimeFigureOut">
               <a:rPr lang="pt-BR" smtClean="0"/>
-              <a:t>15/11/2019</a:t>
+              <a:t>22/11/2019</a:t>
             </a:fld>
             <a:endParaRPr lang="pt-BR"/>
           </a:p>
@@ -1833,7 +1835,7 @@
           <a:p>
             <a:fld id="{380B573D-D865-4697-BA5F-8FE298F50E6D}" type="datetimeFigureOut">
               <a:rPr lang="pt-BR" smtClean="0"/>
-              <a:t>15/11/2019</a:t>
+              <a:t>22/11/2019</a:t>
             </a:fld>
             <a:endParaRPr lang="pt-BR"/>
           </a:p>
@@ -2110,7 +2112,7 @@
           <a:p>
             <a:fld id="{380B573D-D865-4697-BA5F-8FE298F50E6D}" type="datetimeFigureOut">
               <a:rPr lang="pt-BR" smtClean="0"/>
-              <a:t>15/11/2019</a:t>
+              <a:t>22/11/2019</a:t>
             </a:fld>
             <a:endParaRPr lang="pt-BR"/>
           </a:p>
@@ -2367,7 +2369,7 @@
           <a:p>
             <a:fld id="{380B573D-D865-4697-BA5F-8FE298F50E6D}" type="datetimeFigureOut">
               <a:rPr lang="pt-BR" smtClean="0"/>
-              <a:t>15/11/2019</a:t>
+              <a:t>22/11/2019</a:t>
             </a:fld>
             <a:endParaRPr lang="pt-BR"/>
           </a:p>
@@ -2580,7 +2582,7 @@
           <a:p>
             <a:fld id="{380B573D-D865-4697-BA5F-8FE298F50E6D}" type="datetimeFigureOut">
               <a:rPr lang="pt-BR" smtClean="0"/>
-              <a:t>15/11/2019</a:t>
+              <a:t>22/11/2019</a:t>
             </a:fld>
             <a:endParaRPr lang="pt-BR"/>
           </a:p>
@@ -3321,6 +3323,14 @@
 <file path=ppt/slides/slide11.xml><?xml version="1.0" encoding="utf-8"?>
 <p:sld xmlns:a="http://schemas.openxmlformats.org/drawingml/2006/main" xmlns:r="http://schemas.openxmlformats.org/officeDocument/2006/relationships" xmlns:p="http://schemas.openxmlformats.org/presentationml/2006/main">
   <p:cSld>
+    <p:bg>
+      <p:bgPr>
+        <a:solidFill>
+          <a:schemeClr val="bg1"/>
+        </a:solidFill>
+        <a:effectLst/>
+      </p:bgPr>
+    </p:bg>
     <p:spTree>
       <p:nvGrpSpPr>
         <p:cNvPr id="1" name=""/>
@@ -3362,111 +3372,12 @@
         </p:blipFill>
         <p:spPr>
           <a:xfrm>
-            <a:off x="20" y="10"/>
-            <a:ext cx="12191980" cy="6040296"/>
-          </a:xfrm>
-          <a:custGeom>
+            <a:off x="643467" y="727647"/>
+            <a:ext cx="10905066" cy="5402705"/>
+          </a:xfrm>
+          <a:prstGeom prst="rect">
             <a:avLst/>
-            <a:gdLst>
-              <a:gd name="connsiteX0" fmla="*/ 0 w 12192000"/>
-              <a:gd name="connsiteY0" fmla="*/ 0 h 6040306"/>
-              <a:gd name="connsiteX1" fmla="*/ 12192000 w 12192000"/>
-              <a:gd name="connsiteY1" fmla="*/ 0 h 6040306"/>
-              <a:gd name="connsiteX2" fmla="*/ 12192000 w 12192000"/>
-              <a:gd name="connsiteY2" fmla="*/ 4211076 h 6040306"/>
-              <a:gd name="connsiteX3" fmla="*/ 11340591 w 12192000"/>
-              <a:gd name="connsiteY3" fmla="*/ 6040306 h 6040306"/>
-              <a:gd name="connsiteX4" fmla="*/ 10860731 w 12192000"/>
-              <a:gd name="connsiteY4" fmla="*/ 6040306 h 6040306"/>
-              <a:gd name="connsiteX5" fmla="*/ 9808950 w 12192000"/>
-              <a:gd name="connsiteY5" fmla="*/ 6040306 h 6040306"/>
-              <a:gd name="connsiteX6" fmla="*/ 5960209 w 12192000"/>
-              <a:gd name="connsiteY6" fmla="*/ 6040306 h 6040306"/>
-              <a:gd name="connsiteX7" fmla="*/ 5480349 w 12192000"/>
-              <a:gd name="connsiteY7" fmla="*/ 6040306 h 6040306"/>
-              <a:gd name="connsiteX8" fmla="*/ 5096434 w 12192000"/>
-              <a:gd name="connsiteY8" fmla="*/ 6040306 h 6040306"/>
-              <a:gd name="connsiteX9" fmla="*/ 4428567 w 12192000"/>
-              <a:gd name="connsiteY9" fmla="*/ 6040306 h 6040306"/>
-              <a:gd name="connsiteX10" fmla="*/ 0 w 12192000"/>
-              <a:gd name="connsiteY10" fmla="*/ 6040306 h 6040306"/>
-            </a:gdLst>
-            <a:ahLst/>
-            <a:cxnLst>
-              <a:cxn ang="0">
-                <a:pos x="connsiteX0" y="connsiteY0"/>
-              </a:cxn>
-              <a:cxn ang="0">
-                <a:pos x="connsiteX1" y="connsiteY1"/>
-              </a:cxn>
-              <a:cxn ang="0">
-                <a:pos x="connsiteX2" y="connsiteY2"/>
-              </a:cxn>
-              <a:cxn ang="0">
-                <a:pos x="connsiteX3" y="connsiteY3"/>
-              </a:cxn>
-              <a:cxn ang="0">
-                <a:pos x="connsiteX4" y="connsiteY4"/>
-              </a:cxn>
-              <a:cxn ang="0">
-                <a:pos x="connsiteX5" y="connsiteY5"/>
-              </a:cxn>
-              <a:cxn ang="0">
-                <a:pos x="connsiteX6" y="connsiteY6"/>
-              </a:cxn>
-              <a:cxn ang="0">
-                <a:pos x="connsiteX7" y="connsiteY7"/>
-              </a:cxn>
-              <a:cxn ang="0">
-                <a:pos x="connsiteX8" y="connsiteY8"/>
-              </a:cxn>
-              <a:cxn ang="0">
-                <a:pos x="connsiteX9" y="connsiteY9"/>
-              </a:cxn>
-              <a:cxn ang="0">
-                <a:pos x="connsiteX10" y="connsiteY10"/>
-              </a:cxn>
-            </a:cxnLst>
-            <a:rect l="l" t="t" r="r" b="b"/>
-            <a:pathLst>
-              <a:path w="12192000" h="6040306">
-                <a:moveTo>
-                  <a:pt x="0" y="0"/>
-                </a:moveTo>
-                <a:lnTo>
-                  <a:pt x="12192000" y="0"/>
-                </a:lnTo>
-                <a:lnTo>
-                  <a:pt x="12192000" y="4211076"/>
-                </a:lnTo>
-                <a:lnTo>
-                  <a:pt x="11340591" y="6040306"/>
-                </a:lnTo>
-                <a:lnTo>
-                  <a:pt x="10860731" y="6040306"/>
-                </a:lnTo>
-                <a:lnTo>
-                  <a:pt x="9808950" y="6040306"/>
-                </a:lnTo>
-                <a:lnTo>
-                  <a:pt x="5960209" y="6040306"/>
-                </a:lnTo>
-                <a:lnTo>
-                  <a:pt x="5480349" y="6040306"/>
-                </a:lnTo>
-                <a:lnTo>
-                  <a:pt x="5096434" y="6040306"/>
-                </a:lnTo>
-                <a:lnTo>
-                  <a:pt x="4428567" y="6040306"/>
-                </a:lnTo>
-                <a:lnTo>
-                  <a:pt x="0" y="6040306"/>
-                </a:lnTo>
-                <a:close/>
-              </a:path>
-            </a:pathLst>
-          </a:custGeom>
+          </a:prstGeom>
         </p:spPr>
       </p:pic>
       <p:pic>
@@ -3523,33 +3434,9 @@
   <p:cSld>
     <p:bg>
       <p:bgPr>
-        <a:gradFill rotWithShape="1">
-          <a:gsLst>
-            <a:gs pos="0">
-              <a:schemeClr val="bg2">
-                <a:tint val="93000"/>
-                <a:satMod val="150000"/>
-                <a:shade val="98000"/>
-                <a:lumMod val="102000"/>
-              </a:schemeClr>
-            </a:gs>
-            <a:gs pos="0">
-              <a:schemeClr val="bg2">
-                <a:tint val="98000"/>
-                <a:satMod val="130000"/>
-                <a:shade val="90000"/>
-                <a:lumMod val="103000"/>
-              </a:schemeClr>
-            </a:gs>
-            <a:gs pos="100000">
-              <a:schemeClr val="bg2">
-                <a:shade val="63000"/>
-                <a:satMod val="120000"/>
-              </a:schemeClr>
-            </a:gs>
-          </a:gsLst>
-          <a:lin ang="5400000" scaled="0"/>
-        </a:gradFill>
+        <a:solidFill>
+          <a:schemeClr val="bg1"/>
+        </a:solidFill>
         <a:effectLst/>
       </p:bgPr>
     </p:bg>
@@ -3567,120 +3454,12 @@
           <a:chExt cx="0" cy="0"/>
         </a:xfrm>
       </p:grpSpPr>
-      <p:pic>
-        <p:nvPicPr>
-          <p:cNvPr id="2" name="Imagem 1" descr="Uma imagem contendo flor, desenho&#10;&#10;Descrição gerada automaticamente">
+      <p:sp>
+        <p:nvSpPr>
+          <p:cNvPr id="8" name="Retângulo: Cantos Arredondados 7">
             <a:extLst>
               <a:ext uri="{FF2B5EF4-FFF2-40B4-BE49-F238E27FC236}">
-                <a16:creationId xmlns:a16="http://schemas.microsoft.com/office/drawing/2014/main" id="{D5C8E7DE-CE76-4583-A0A9-A6D8F8E69E11}"/>
-              </a:ext>
-            </a:extLst>
-          </p:cNvPr>
-          <p:cNvPicPr>
-            <a:picLocks noChangeAspect="1"/>
-          </p:cNvPicPr>
-          <p:nvPr/>
-        </p:nvPicPr>
-        <p:blipFill>
-          <a:blip r:embed="rId2">
-            <a:extLst>
-              <a:ext uri="{28A0092B-C50C-407E-A947-70E740481C1C}">
-                <a14:useLocalDpi xmlns:a14="http://schemas.microsoft.com/office/drawing/2010/main" val="0"/>
-              </a:ext>
-            </a:extLst>
-          </a:blip>
-          <a:stretch>
-            <a:fillRect/>
-          </a:stretch>
-        </p:blipFill>
-        <p:spPr>
-          <a:xfrm>
-            <a:off x="182880" y="2162855"/>
-            <a:ext cx="1933804" cy="1527619"/>
-          </a:xfrm>
-          <a:prstGeom prst="rect">
-            <a:avLst/>
-          </a:prstGeom>
-        </p:spPr>
-      </p:pic>
-      <p:pic>
-        <p:nvPicPr>
-          <p:cNvPr id="3" name="Imagem 2">
-            <a:extLst>
-              <a:ext uri="{FF2B5EF4-FFF2-40B4-BE49-F238E27FC236}">
-                <a16:creationId xmlns:a16="http://schemas.microsoft.com/office/drawing/2014/main" id="{BD7B2A2A-76A1-41DC-989F-6FEB8F254878}"/>
-              </a:ext>
-            </a:extLst>
-          </p:cNvPr>
-          <p:cNvPicPr>
-            <a:picLocks noChangeAspect="1"/>
-          </p:cNvPicPr>
-          <p:nvPr/>
-        </p:nvPicPr>
-        <p:blipFill>
-          <a:blip r:embed="rId3">
-            <a:extLst>
-              <a:ext uri="{28A0092B-C50C-407E-A947-70E740481C1C}">
-                <a14:useLocalDpi xmlns:a14="http://schemas.microsoft.com/office/drawing/2010/main" val="0"/>
-              </a:ext>
-            </a:extLst>
-          </a:blip>
-          <a:stretch>
-            <a:fillRect/>
-          </a:stretch>
-        </p:blipFill>
-        <p:spPr>
-          <a:xfrm>
-            <a:off x="2813261" y="2162855"/>
-            <a:ext cx="1582667" cy="1582667"/>
-          </a:xfrm>
-          <a:prstGeom prst="rect">
-            <a:avLst/>
-          </a:prstGeom>
-        </p:spPr>
-      </p:pic>
-      <p:pic>
-        <p:nvPicPr>
-          <p:cNvPr id="4" name="Imagem 3" descr="Uma imagem contendo flor, desenho, camisa&#10;&#10;Descrição gerada automaticamente">
-            <a:extLst>
-              <a:ext uri="{FF2B5EF4-FFF2-40B4-BE49-F238E27FC236}">
-                <a16:creationId xmlns:a16="http://schemas.microsoft.com/office/drawing/2014/main" id="{C2638DA4-0B4F-4C41-8C66-2C42C5AB25B3}"/>
-              </a:ext>
-            </a:extLst>
-          </p:cNvPr>
-          <p:cNvPicPr>
-            <a:picLocks noChangeAspect="1"/>
-          </p:cNvPicPr>
-          <p:nvPr/>
-        </p:nvPicPr>
-        <p:blipFill>
-          <a:blip r:embed="rId4">
-            <a:extLst>
-              <a:ext uri="{28A0092B-C50C-407E-A947-70E740481C1C}">
-                <a14:useLocalDpi xmlns:a14="http://schemas.microsoft.com/office/drawing/2010/main" val="0"/>
-              </a:ext>
-            </a:extLst>
-          </a:blip>
-          <a:stretch>
-            <a:fillRect/>
-          </a:stretch>
-        </p:blipFill>
-        <p:spPr>
-          <a:xfrm>
-            <a:off x="10916530" y="5617092"/>
-            <a:ext cx="1195643" cy="1195643"/>
-          </a:xfrm>
-          <a:prstGeom prst="rect">
-            <a:avLst/>
-          </a:prstGeom>
-        </p:spPr>
-      </p:pic>
-      <p:sp>
-        <p:nvSpPr>
-          <p:cNvPr id="5" name="Seta: Curva para Baixo 4">
-            <a:extLst>
-              <a:ext uri="{FF2B5EF4-FFF2-40B4-BE49-F238E27FC236}">
-                <a16:creationId xmlns:a16="http://schemas.microsoft.com/office/drawing/2014/main" id="{092267A9-468A-42C1-88BA-FA7543DBF102}"/>
+                <a16:creationId xmlns:a16="http://schemas.microsoft.com/office/drawing/2014/main" id="{6725BF07-FFCF-4B62-A411-986910B940FE}"/>
               </a:ext>
             </a:extLst>
           </p:cNvPr>
@@ -3689,17 +3468,19 @@
         </p:nvSpPr>
         <p:spPr>
           <a:xfrm>
-            <a:off x="1286413" y="1353962"/>
-            <a:ext cx="2166980" cy="604911"/>
-          </a:xfrm>
-          <a:prstGeom prst="curvedDownArrow">
+            <a:off x="4553515" y="1487805"/>
+            <a:ext cx="2400300" cy="3882390"/>
+          </a:xfrm>
+          <a:prstGeom prst="roundRect">
             <a:avLst/>
           </a:prstGeom>
           <a:solidFill>
-            <a:srgbClr val="0079D6"/>
+            <a:srgbClr val="EFC633"/>
           </a:solidFill>
           <a:ln>
-            <a:noFill/>
+            <a:solidFill>
+              <a:srgbClr val="EFC633"/>
+            </a:solidFill>
           </a:ln>
         </p:spPr>
         <p:style>
@@ -3723,74 +3504,316 @@
           <a:lstStyle/>
           <a:p>
             <a:pPr algn="ctr"/>
-            <a:endParaRPr lang="pt-BR">
+            <a:endParaRPr lang="pt-BR" dirty="0">
               <a:solidFill>
-                <a:schemeClr val="tx1"/>
+                <a:schemeClr val="bg1"/>
               </a:solidFill>
             </a:endParaRPr>
           </a:p>
-        </p:txBody>
-      </p:sp>
-      <p:sp>
-        <p:nvSpPr>
-          <p:cNvPr id="9" name="Seta: Curva para Baixo 8">
+          <a:p>
+            <a:pPr algn="ctr"/>
+            <a:endParaRPr lang="pt-BR" dirty="0">
+              <a:solidFill>
+                <a:schemeClr val="bg1"/>
+              </a:solidFill>
+            </a:endParaRPr>
+          </a:p>
+          <a:p>
+            <a:pPr algn="ctr"/>
+            <a:endParaRPr lang="pt-BR" dirty="0">
+              <a:solidFill>
+                <a:schemeClr val="bg1"/>
+              </a:solidFill>
+            </a:endParaRPr>
+          </a:p>
+          <a:p>
+            <a:pPr algn="ctr"/>
+            <a:endParaRPr lang="pt-BR" dirty="0">
+              <a:solidFill>
+                <a:schemeClr val="bg1"/>
+              </a:solidFill>
+            </a:endParaRPr>
+          </a:p>
+          <a:p>
+            <a:pPr algn="ctr"/>
+            <a:endParaRPr lang="pt-BR" dirty="0">
+              <a:solidFill>
+                <a:schemeClr val="bg1"/>
+              </a:solidFill>
+            </a:endParaRPr>
+          </a:p>
+          <a:p>
+            <a:pPr algn="ctr"/>
+            <a:endParaRPr lang="pt-BR" dirty="0">
+              <a:solidFill>
+                <a:schemeClr val="bg1"/>
+              </a:solidFill>
+            </a:endParaRPr>
+          </a:p>
+          <a:p>
+            <a:pPr algn="ctr"/>
+            <a:endParaRPr lang="pt-BR" dirty="0">
+              <a:solidFill>
+                <a:schemeClr val="bg1"/>
+              </a:solidFill>
+            </a:endParaRPr>
+          </a:p>
+          <a:p>
+            <a:pPr algn="ctr"/>
+            <a:endParaRPr lang="pt-BR" dirty="0">
+              <a:solidFill>
+                <a:schemeClr val="bg1"/>
+              </a:solidFill>
+            </a:endParaRPr>
+          </a:p>
+          <a:p>
+            <a:pPr algn="ctr"/>
+            <a:endParaRPr lang="pt-BR" dirty="0">
+              <a:solidFill>
+                <a:schemeClr val="bg1"/>
+              </a:solidFill>
+            </a:endParaRPr>
+          </a:p>
+          <a:p>
+            <a:pPr algn="ctr"/>
+            <a:endParaRPr lang="pt-BR" dirty="0">
+              <a:solidFill>
+                <a:schemeClr val="bg1"/>
+              </a:solidFill>
+            </a:endParaRPr>
+          </a:p>
+          <a:p>
+            <a:pPr algn="ctr"/>
+            <a:endParaRPr lang="pt-BR" dirty="0">
+              <a:solidFill>
+                <a:schemeClr val="bg1"/>
+              </a:solidFill>
+            </a:endParaRPr>
+          </a:p>
+          <a:p>
+            <a:pPr algn="ctr"/>
+            <a:endParaRPr lang="pt-BR" dirty="0">
+              <a:solidFill>
+                <a:schemeClr val="bg1"/>
+              </a:solidFill>
+            </a:endParaRPr>
+          </a:p>
+          <a:p>
+            <a:pPr algn="ctr"/>
+            <a:endParaRPr lang="pt-BR" dirty="0">
+              <a:solidFill>
+                <a:schemeClr val="bg1"/>
+              </a:solidFill>
+            </a:endParaRPr>
+          </a:p>
+        </p:txBody>
+      </p:sp>
+      <p:pic>
+        <p:nvPicPr>
+          <p:cNvPr id="7" name="Imagem 6">
             <a:extLst>
               <a:ext uri="{FF2B5EF4-FFF2-40B4-BE49-F238E27FC236}">
-                <a16:creationId xmlns:a16="http://schemas.microsoft.com/office/drawing/2014/main" id="{E42E2272-5EF2-4105-82C2-7CD38C1ADE14}"/>
+                <a16:creationId xmlns:a16="http://schemas.microsoft.com/office/drawing/2014/main" id="{801E5D0E-9478-4319-82F6-9DA2FE63A1A6}"/>
               </a:ext>
             </a:extLst>
           </p:cNvPr>
-          <p:cNvSpPr/>
+          <p:cNvPicPr>
+            <a:picLocks noChangeAspect="1"/>
+          </p:cNvPicPr>
           <p:nvPr/>
-        </p:nvSpPr>
-        <p:spPr>
-          <a:xfrm rot="10642708">
-            <a:off x="1162481" y="3739714"/>
-            <a:ext cx="2166980" cy="604911"/>
-          </a:xfrm>
-          <a:prstGeom prst="curvedDownArrow">
+        </p:nvPicPr>
+        <p:blipFill>
+          <a:blip r:embed="rId2">
+            <a:extLst>
+              <a:ext uri="{28A0092B-C50C-407E-A947-70E740481C1C}">
+                <a14:useLocalDpi xmlns:a14="http://schemas.microsoft.com/office/drawing/2010/main" val="0"/>
+              </a:ext>
+            </a:extLst>
+          </a:blip>
+          <a:stretch>
+            <a:fillRect/>
+          </a:stretch>
+        </p:blipFill>
+        <p:spPr>
+          <a:xfrm>
+            <a:off x="2992734" y="1990725"/>
+            <a:ext cx="5642464" cy="2876550"/>
+          </a:xfrm>
+          <a:prstGeom prst="rect">
             <a:avLst/>
           </a:prstGeom>
-          <a:solidFill>
-            <a:srgbClr val="0079D6"/>
-          </a:solidFill>
-          <a:ln>
-            <a:noFill/>
-          </a:ln>
-        </p:spPr>
-        <p:style>
-          <a:lnRef idx="2">
-            <a:schemeClr val="accent1">
-              <a:shade val="50000"/>
-            </a:schemeClr>
-          </a:lnRef>
-          <a:fillRef idx="1">
-            <a:schemeClr val="accent1"/>
-          </a:fillRef>
-          <a:effectRef idx="0">
-            <a:schemeClr val="accent1"/>
-          </a:effectRef>
-          <a:fontRef idx="minor">
-            <a:schemeClr val="lt1"/>
-          </a:fontRef>
-        </p:style>
-        <p:txBody>
-          <a:bodyPr rtlCol="0" anchor="ctr"/>
-          <a:lstStyle/>
-          <a:p>
-            <a:pPr algn="ctr"/>
-            <a:endParaRPr lang="pt-BR">
-              <a:solidFill>
-                <a:schemeClr val="tx1"/>
-              </a:solidFill>
+        </p:spPr>
+      </p:pic>
+      <p:sp>
+        <p:nvSpPr>
+          <p:cNvPr id="9" name="CaixaDeTexto 8">
+            <a:extLst>
+              <a:ext uri="{FF2B5EF4-FFF2-40B4-BE49-F238E27FC236}">
+                <a16:creationId xmlns:a16="http://schemas.microsoft.com/office/drawing/2014/main" id="{8997C386-AF99-48FC-B223-FE5B6A4C179F}"/>
+              </a:ext>
+            </a:extLst>
+          </p:cNvPr>
+          <p:cNvSpPr txBox="1"/>
+          <p:nvPr/>
+        </p:nvSpPr>
+        <p:spPr>
+          <a:xfrm>
+            <a:off x="725025" y="2535593"/>
+            <a:ext cx="2487195" cy="707886"/>
+          </a:xfrm>
+          <a:prstGeom prst="rect">
+            <a:avLst/>
+          </a:prstGeom>
+          <a:noFill/>
+        </p:spPr>
+        <p:txBody>
+          <a:bodyPr wrap="square" rtlCol="0">
+            <a:spAutoFit/>
+          </a:bodyPr>
+          <a:lstStyle/>
+          <a:p>
+            <a:r>
+              <a:rPr lang="pt-BR" sz="2000" dirty="0">
+                <a:latin typeface="Century Gothic" panose="020B0502020202020204" pitchFamily="34" charset="0"/>
+              </a:rPr>
+              <a:t>Business </a:t>
+            </a:r>
+            <a:r>
+              <a:rPr lang="pt-BR" sz="2000" dirty="0" err="1">
+                <a:latin typeface="Century Gothic" panose="020B0502020202020204" pitchFamily="34" charset="0"/>
+              </a:rPr>
+              <a:t>Intelligence</a:t>
+            </a:r>
+            <a:endParaRPr lang="pt-BR" sz="2000" dirty="0">
+              <a:latin typeface="Century Gothic" panose="020B0502020202020204" pitchFamily="34" charset="0"/>
             </a:endParaRPr>
+          </a:p>
+        </p:txBody>
+      </p:sp>
+      <p:sp>
+        <p:nvSpPr>
+          <p:cNvPr id="10" name="CaixaDeTexto 9">
+            <a:extLst>
+              <a:ext uri="{FF2B5EF4-FFF2-40B4-BE49-F238E27FC236}">
+                <a16:creationId xmlns:a16="http://schemas.microsoft.com/office/drawing/2014/main" id="{E854EEC1-DD38-4241-AB9B-519140B76C21}"/>
+              </a:ext>
+            </a:extLst>
+          </p:cNvPr>
+          <p:cNvSpPr txBox="1"/>
+          <p:nvPr/>
+        </p:nvSpPr>
+        <p:spPr>
+          <a:xfrm>
+            <a:off x="9077150" y="2545706"/>
+            <a:ext cx="2816758" cy="707886"/>
+          </a:xfrm>
+          <a:prstGeom prst="rect">
+            <a:avLst/>
+          </a:prstGeom>
+          <a:noFill/>
+        </p:spPr>
+        <p:txBody>
+          <a:bodyPr wrap="square" rtlCol="0">
+            <a:spAutoFit/>
+          </a:bodyPr>
+          <a:lstStyle/>
+          <a:p>
+            <a:r>
+              <a:rPr lang="pt-BR" sz="2000" dirty="0">
+                <a:latin typeface="Century Gothic" panose="020B0502020202020204" pitchFamily="34" charset="0"/>
+              </a:rPr>
+              <a:t>Transformar múltiplos dados em </a:t>
+            </a:r>
+            <a:r>
+              <a:rPr lang="pt-BR" sz="2000" dirty="0" err="1">
+                <a:latin typeface="Century Gothic" panose="020B0502020202020204" pitchFamily="34" charset="0"/>
+              </a:rPr>
+              <a:t>Analytics</a:t>
+            </a:r>
+            <a:endParaRPr lang="pt-BR" sz="2000" dirty="0">
+              <a:latin typeface="Century Gothic" panose="020B0502020202020204" pitchFamily="34" charset="0"/>
+            </a:endParaRPr>
+          </a:p>
+        </p:txBody>
+      </p:sp>
+      <p:sp>
+        <p:nvSpPr>
+          <p:cNvPr id="11" name="CaixaDeTexto 10">
+            <a:extLst>
+              <a:ext uri="{FF2B5EF4-FFF2-40B4-BE49-F238E27FC236}">
+                <a16:creationId xmlns:a16="http://schemas.microsoft.com/office/drawing/2014/main" id="{8E415268-45B1-4BE3-8358-D0D0F2A5C397}"/>
+              </a:ext>
+            </a:extLst>
+          </p:cNvPr>
+          <p:cNvSpPr txBox="1"/>
+          <p:nvPr/>
+        </p:nvSpPr>
+        <p:spPr>
+          <a:xfrm>
+            <a:off x="512322" y="3088677"/>
+            <a:ext cx="2487195" cy="400110"/>
+          </a:xfrm>
+          <a:prstGeom prst="rect">
+            <a:avLst/>
+          </a:prstGeom>
+          <a:noFill/>
+        </p:spPr>
+        <p:txBody>
+          <a:bodyPr wrap="square" rtlCol="0">
+            <a:spAutoFit/>
+          </a:bodyPr>
+          <a:lstStyle/>
+          <a:p>
+            <a:r>
+              <a:rPr lang="pt-BR" sz="2000" dirty="0">
+                <a:latin typeface="Arial Rounded MT Bold" panose="020F0704030504030204" pitchFamily="34" charset="0"/>
+              </a:rPr>
+              <a:t>- - - - - - - - - - - - - </a:t>
+            </a:r>
+          </a:p>
+        </p:txBody>
+      </p:sp>
+      <p:sp>
+        <p:nvSpPr>
+          <p:cNvPr id="12" name="CaixaDeTexto 11">
+            <a:extLst>
+              <a:ext uri="{FF2B5EF4-FFF2-40B4-BE49-F238E27FC236}">
+                <a16:creationId xmlns:a16="http://schemas.microsoft.com/office/drawing/2014/main" id="{E9761C14-E73F-4188-9546-503B2685BEE7}"/>
+              </a:ext>
+            </a:extLst>
+          </p:cNvPr>
+          <p:cNvSpPr txBox="1"/>
+          <p:nvPr/>
+        </p:nvSpPr>
+        <p:spPr>
+          <a:xfrm>
+            <a:off x="9029229" y="3102745"/>
+            <a:ext cx="2816758" cy="400110"/>
+          </a:xfrm>
+          <a:prstGeom prst="rect">
+            <a:avLst/>
+          </a:prstGeom>
+          <a:noFill/>
+        </p:spPr>
+        <p:txBody>
+          <a:bodyPr wrap="square" rtlCol="0">
+            <a:spAutoFit/>
+          </a:bodyPr>
+          <a:lstStyle/>
+          <a:p>
+            <a:r>
+              <a:rPr lang="pt-BR" sz="2000" dirty="0">
+                <a:latin typeface="Arial Rounded MT Bold" panose="020F0704030504030204" pitchFamily="34" charset="0"/>
+              </a:rPr>
+              <a:t>- - - - - - - - - - - - - - - - - -</a:t>
+            </a:r>
           </a:p>
         </p:txBody>
       </p:sp>
     </p:spTree>
     <p:extLst>
       <p:ext uri="{BB962C8B-B14F-4D97-AF65-F5344CB8AC3E}">
-        <p14:creationId xmlns:p14="http://schemas.microsoft.com/office/powerpoint/2010/main" val="1796637356"/>
+        <p14:creationId xmlns:p14="http://schemas.microsoft.com/office/powerpoint/2010/main" val="1958753555"/>
       </p:ext>
     </p:extLst>
   </p:cSld>
@@ -3817,10 +3840,1285 @@
           <a:chExt cx="0" cy="0"/>
         </a:xfrm>
       </p:grpSpPr>
+      <p:cxnSp>
+        <p:nvCxnSpPr>
+          <p:cNvPr id="18" name="Conector reto 17">
+            <a:extLst>
+              <a:ext uri="{FF2B5EF4-FFF2-40B4-BE49-F238E27FC236}">
+                <a16:creationId xmlns:a16="http://schemas.microsoft.com/office/drawing/2014/main" id="{7412EB9C-C674-4517-A8E4-DD9A7C186A0B}"/>
+              </a:ext>
+            </a:extLst>
+          </p:cNvPr>
+          <p:cNvCxnSpPr/>
+          <p:nvPr/>
+        </p:nvCxnSpPr>
+        <p:spPr>
+          <a:xfrm>
+            <a:off x="3827431" y="1211188"/>
+            <a:ext cx="0" cy="4712677"/>
+          </a:xfrm>
+          <a:prstGeom prst="line">
+            <a:avLst/>
+          </a:prstGeom>
+        </p:spPr>
+        <p:style>
+          <a:lnRef idx="1">
+            <a:schemeClr val="accent1"/>
+          </a:lnRef>
+          <a:fillRef idx="0">
+            <a:schemeClr val="accent1"/>
+          </a:fillRef>
+          <a:effectRef idx="0">
+            <a:schemeClr val="accent1"/>
+          </a:effectRef>
+          <a:fontRef idx="minor">
+            <a:schemeClr val="tx1"/>
+          </a:fontRef>
+        </p:style>
+      </p:cxnSp>
+      <p:cxnSp>
+        <p:nvCxnSpPr>
+          <p:cNvPr id="20" name="Conector reto 19">
+            <a:extLst>
+              <a:ext uri="{FF2B5EF4-FFF2-40B4-BE49-F238E27FC236}">
+                <a16:creationId xmlns:a16="http://schemas.microsoft.com/office/drawing/2014/main" id="{37671BBA-E709-4A13-8295-C35E643BBE0F}"/>
+              </a:ext>
+            </a:extLst>
+          </p:cNvPr>
+          <p:cNvCxnSpPr/>
+          <p:nvPr/>
+        </p:nvCxnSpPr>
+        <p:spPr>
+          <a:xfrm>
+            <a:off x="7716946" y="1211188"/>
+            <a:ext cx="0" cy="4712677"/>
+          </a:xfrm>
+          <a:prstGeom prst="line">
+            <a:avLst/>
+          </a:prstGeom>
+        </p:spPr>
+        <p:style>
+          <a:lnRef idx="1">
+            <a:schemeClr val="accent1"/>
+          </a:lnRef>
+          <a:fillRef idx="0">
+            <a:schemeClr val="accent1"/>
+          </a:fillRef>
+          <a:effectRef idx="0">
+            <a:schemeClr val="accent1"/>
+          </a:effectRef>
+          <a:fontRef idx="minor">
+            <a:schemeClr val="tx1"/>
+          </a:fontRef>
+        </p:style>
+      </p:cxnSp>
+      <p:sp>
+        <p:nvSpPr>
+          <p:cNvPr id="19" name="CaixaDeTexto 18">
+            <a:extLst>
+              <a:ext uri="{FF2B5EF4-FFF2-40B4-BE49-F238E27FC236}">
+                <a16:creationId xmlns:a16="http://schemas.microsoft.com/office/drawing/2014/main" id="{EAEA84AF-CB5E-40B3-9883-600887E0732F}"/>
+              </a:ext>
+            </a:extLst>
+          </p:cNvPr>
+          <p:cNvSpPr txBox="1"/>
+          <p:nvPr/>
+        </p:nvSpPr>
+        <p:spPr>
+          <a:xfrm>
+            <a:off x="4445396" y="3890016"/>
+            <a:ext cx="2597424" cy="369332"/>
+          </a:xfrm>
+          <a:prstGeom prst="rect">
+            <a:avLst/>
+          </a:prstGeom>
+          <a:solidFill>
+            <a:schemeClr val="dk1">
+              <a:alpha val="50000"/>
+            </a:schemeClr>
+          </a:solidFill>
+          <a:ln>
+            <a:noFill/>
+          </a:ln>
+        </p:spPr>
+        <p:style>
+          <a:lnRef idx="0">
+            <a:scrgbClr r="0" g="0" b="0"/>
+          </a:lnRef>
+          <a:fillRef idx="0">
+            <a:scrgbClr r="0" g="0" b="0"/>
+          </a:fillRef>
+          <a:effectRef idx="0">
+            <a:scrgbClr r="0" g="0" b="0"/>
+          </a:effectRef>
+          <a:fontRef idx="minor">
+            <a:schemeClr val="lt1"/>
+          </a:fontRef>
+        </p:style>
+        <p:txBody>
+          <a:bodyPr wrap="square" rtlCol="0">
+            <a:spAutoFit/>
+          </a:bodyPr>
+          <a:lstStyle/>
+          <a:p>
+            <a:pPr algn="ctr"/>
+            <a:r>
+              <a:rPr lang="pt-BR" dirty="0" err="1"/>
+              <a:t>Analytics</a:t>
+            </a:r>
+            <a:r>
+              <a:rPr lang="pt-BR" dirty="0"/>
+              <a:t> Real-Time</a:t>
+            </a:r>
+          </a:p>
+        </p:txBody>
+      </p:sp>
+      <p:pic>
+        <p:nvPicPr>
+          <p:cNvPr id="22" name="Imagem 21" descr="Tela de computador com texto preto sobre fundo branco&#10;&#10;Descrição gerada automaticamente">
+            <a:extLst>
+              <a:ext uri="{FF2B5EF4-FFF2-40B4-BE49-F238E27FC236}">
+                <a16:creationId xmlns:a16="http://schemas.microsoft.com/office/drawing/2014/main" id="{EAD6E6A0-2A68-4F2B-B625-18D1158D09C6}"/>
+              </a:ext>
+            </a:extLst>
+          </p:cNvPr>
+          <p:cNvPicPr>
+            <a:picLocks noChangeAspect="1"/>
+          </p:cNvPicPr>
+          <p:nvPr/>
+        </p:nvPicPr>
+        <p:blipFill rotWithShape="1">
+          <a:blip r:embed="rId2">
+            <a:extLst>
+              <a:ext uri="{BEBA8EAE-BF5A-486C-A8C5-ECC9F3942E4B}">
+                <a14:imgProps xmlns:a14="http://schemas.microsoft.com/office/drawing/2010/main">
+                  <a14:imgLayer r:embed="rId3">
+                    <a14:imgEffect>
+                      <a14:backgroundRemoval t="10000" b="95000" l="38321" r="96991">
+                        <a14:foregroundMark x1="41330" y1="16842" x2="41726" y2="91053"/>
+                        <a14:foregroundMark x1="37846" y1="95789" x2="51227" y2="96316"/>
+                        <a14:foregroundMark x1="51227" y1="96316" x2="68963" y2="93947"/>
+                        <a14:foregroundMark x1="68963" y1="93947" x2="77593" y2="93947"/>
+                        <a14:foregroundMark x1="77593" y1="93947" x2="82423" y2="92895"/>
+                        <a14:foregroundMark x1="82423" y1="92895" x2="96279" y2="93421"/>
+                        <a14:foregroundMark x1="96279" y1="93421" x2="97070" y2="54474"/>
+                        <a14:foregroundMark x1="96675" y1="50000" x2="94537" y2="37368"/>
+                        <a14:foregroundMark x1="94537" y1="37368" x2="72684" y2="40263"/>
+                        <a14:foregroundMark x1="72684" y1="40263" x2="73159" y2="49474"/>
+                        <a14:foregroundMark x1="72605" y1="48684" x2="66667" y2="47632"/>
+                        <a14:foregroundMark x1="74268" y1="52368" x2="74822" y2="86316"/>
+                        <a14:foregroundMark x1="83373" y1="76579" x2="83452" y2="68421"/>
+                        <a14:foregroundMark x1="85115" y1="74211" x2="84561" y2="60789"/>
+                        <a14:foregroundMark x1="84561" y1="60789" x2="84561" y2="60789"/>
+                        <a14:foregroundMark x1="86540" y1="72105" x2="86540" y2="66316"/>
+                        <a14:foregroundMark x1="88203" y1="72895" x2="88678" y2="76579"/>
+                        <a14:foregroundMark x1="89470" y1="73421" x2="89628" y2="62895"/>
+                        <a14:foregroundMark x1="74901" y1="37368" x2="79256" y2="36579"/>
+                        <a14:foregroundMark x1="79256" y1="36579" x2="79731" y2="36053"/>
+                        <a14:foregroundMark x1="42280" y1="16053" x2="46318" y2="15000"/>
+                        <a14:foregroundMark x1="46318" y1="15000" x2="50356" y2="17105"/>
+                        <a14:foregroundMark x1="50356" y1="17105" x2="59382" y2="16053"/>
+                        <a14:foregroundMark x1="59382" y1="16053" x2="68013" y2="17632"/>
+                        <a14:foregroundMark x1="68013" y1="17632" x2="76247" y2="16053"/>
+                        <a14:foregroundMark x1="76247" y1="16053" x2="78860" y2="16842"/>
+                        <a14:foregroundMark x1="40063" y1="95000" x2="38321" y2="94737"/>
+                        <a14:foregroundMark x1="67221" y1="65526" x2="67300" y2="85526"/>
+                      </a14:backgroundRemoval>
+                    </a14:imgEffect>
+                  </a14:imgLayer>
+                </a14:imgProps>
+              </a:ext>
+              <a:ext uri="{28A0092B-C50C-407E-A947-70E740481C1C}">
+                <a14:useLocalDpi xmlns:a14="http://schemas.microsoft.com/office/drawing/2010/main" val="0"/>
+              </a:ext>
+            </a:extLst>
+          </a:blip>
+          <a:srcRect l="36513"/>
+          <a:stretch/>
+        </p:blipFill>
+        <p:spPr>
+          <a:xfrm>
+            <a:off x="379914" y="1894449"/>
+            <a:ext cx="3238079" cy="1534551"/>
+          </a:xfrm>
+          <a:prstGeom prst="rect">
+            <a:avLst/>
+          </a:prstGeom>
+        </p:spPr>
+      </p:pic>
+      <p:pic>
+        <p:nvPicPr>
+          <p:cNvPr id="24" name="Imagem 23" descr="Tela de celular com aplicativo aberto&#10;&#10;Descrição gerada automaticamente">
+            <a:extLst>
+              <a:ext uri="{FF2B5EF4-FFF2-40B4-BE49-F238E27FC236}">
+                <a16:creationId xmlns:a16="http://schemas.microsoft.com/office/drawing/2014/main" id="{DEF4728F-1549-40FE-BBB8-61585028C79A}"/>
+              </a:ext>
+            </a:extLst>
+          </p:cNvPr>
+          <p:cNvPicPr>
+            <a:picLocks noChangeAspect="1"/>
+          </p:cNvPicPr>
+          <p:nvPr/>
+        </p:nvPicPr>
+        <p:blipFill>
+          <a:blip r:embed="rId4">
+            <a:extLst>
+              <a:ext uri="{28A0092B-C50C-407E-A947-70E740481C1C}">
+                <a14:useLocalDpi xmlns:a14="http://schemas.microsoft.com/office/drawing/2010/main" val="0"/>
+              </a:ext>
+            </a:extLst>
+          </a:blip>
+          <a:stretch>
+            <a:fillRect/>
+          </a:stretch>
+        </p:blipFill>
+        <p:spPr>
+          <a:xfrm>
+            <a:off x="4264038" y="1800934"/>
+            <a:ext cx="2960140" cy="1721579"/>
+          </a:xfrm>
+          <a:prstGeom prst="rect">
+            <a:avLst/>
+          </a:prstGeom>
+        </p:spPr>
+      </p:pic>
+      <p:sp>
+        <p:nvSpPr>
+          <p:cNvPr id="26" name="CaixaDeTexto 25">
+            <a:extLst>
+              <a:ext uri="{FF2B5EF4-FFF2-40B4-BE49-F238E27FC236}">
+                <a16:creationId xmlns:a16="http://schemas.microsoft.com/office/drawing/2014/main" id="{6E6EDAD3-C48A-4562-8D32-0FB98F31D09B}"/>
+              </a:ext>
+            </a:extLst>
+          </p:cNvPr>
+          <p:cNvSpPr txBox="1"/>
+          <p:nvPr/>
+        </p:nvSpPr>
+        <p:spPr>
+          <a:xfrm>
+            <a:off x="700241" y="3890016"/>
+            <a:ext cx="2597424" cy="369332"/>
+          </a:xfrm>
+          <a:prstGeom prst="rect">
+            <a:avLst/>
+          </a:prstGeom>
+          <a:solidFill>
+            <a:schemeClr val="dk1">
+              <a:alpha val="50000"/>
+            </a:schemeClr>
+          </a:solidFill>
+          <a:ln>
+            <a:noFill/>
+          </a:ln>
+        </p:spPr>
+        <p:style>
+          <a:lnRef idx="0">
+            <a:scrgbClr r="0" g="0" b="0"/>
+          </a:lnRef>
+          <a:fillRef idx="0">
+            <a:scrgbClr r="0" g="0" b="0"/>
+          </a:fillRef>
+          <a:effectRef idx="0">
+            <a:scrgbClr r="0" g="0" b="0"/>
+          </a:effectRef>
+          <a:fontRef idx="minor">
+            <a:schemeClr val="lt1"/>
+          </a:fontRef>
+        </p:style>
+        <p:txBody>
+          <a:bodyPr wrap="square" rtlCol="0">
+            <a:spAutoFit/>
+          </a:bodyPr>
+          <a:lstStyle/>
+          <a:p>
+            <a:pPr algn="ctr"/>
+            <a:r>
+              <a:rPr lang="pt-BR" dirty="0"/>
+              <a:t>Acessibilidade</a:t>
+            </a:r>
+          </a:p>
+        </p:txBody>
+      </p:sp>
+      <p:pic>
+        <p:nvPicPr>
+          <p:cNvPr id="16" name="Imagem 15" descr="Uma imagem contendo placar&#10;&#10;Descrição gerada automaticamente">
+            <a:extLst>
+              <a:ext uri="{FF2B5EF4-FFF2-40B4-BE49-F238E27FC236}">
+                <a16:creationId xmlns:a16="http://schemas.microsoft.com/office/drawing/2014/main" id="{06957159-A862-4AF0-8C56-15C0C4DFA6C2}"/>
+              </a:ext>
+            </a:extLst>
+          </p:cNvPr>
+          <p:cNvPicPr>
+            <a:picLocks noChangeAspect="1"/>
+          </p:cNvPicPr>
+          <p:nvPr/>
+        </p:nvPicPr>
+        <p:blipFill>
+          <a:blip r:embed="rId5">
+            <a:extLst>
+              <a:ext uri="{28A0092B-C50C-407E-A947-70E740481C1C}">
+                <a14:useLocalDpi xmlns:a14="http://schemas.microsoft.com/office/drawing/2010/main" val="0"/>
+              </a:ext>
+            </a:extLst>
+          </a:blip>
+          <a:stretch>
+            <a:fillRect/>
+          </a:stretch>
+        </p:blipFill>
+        <p:spPr>
+          <a:xfrm>
+            <a:off x="6782659" y="1635905"/>
+            <a:ext cx="520321" cy="520321"/>
+          </a:xfrm>
+          <a:prstGeom prst="rect">
+            <a:avLst/>
+          </a:prstGeom>
+        </p:spPr>
+      </p:pic>
+      <p:pic>
+        <p:nvPicPr>
+          <p:cNvPr id="27" name="Imagem 26" descr="Tela de computador com fundo preto&#10;&#10;Descrição gerada automaticamente">
+            <a:extLst>
+              <a:ext uri="{FF2B5EF4-FFF2-40B4-BE49-F238E27FC236}">
+                <a16:creationId xmlns:a16="http://schemas.microsoft.com/office/drawing/2014/main" id="{B76C07D8-62A1-4201-B66C-459699C366C7}"/>
+              </a:ext>
+            </a:extLst>
+          </p:cNvPr>
+          <p:cNvPicPr>
+            <a:picLocks noChangeAspect="1"/>
+          </p:cNvPicPr>
+          <p:nvPr/>
+        </p:nvPicPr>
+        <p:blipFill>
+          <a:blip r:embed="rId6">
+            <a:extLst>
+              <a:ext uri="{28A0092B-C50C-407E-A947-70E740481C1C}">
+                <a14:useLocalDpi xmlns:a14="http://schemas.microsoft.com/office/drawing/2010/main" val="0"/>
+              </a:ext>
+            </a:extLst>
+          </a:blip>
+          <a:stretch>
+            <a:fillRect/>
+          </a:stretch>
+        </p:blipFill>
+        <p:spPr>
+          <a:xfrm>
+            <a:off x="8209715" y="1768859"/>
+            <a:ext cx="3053925" cy="1753654"/>
+          </a:xfrm>
+          <a:prstGeom prst="rect">
+            <a:avLst/>
+          </a:prstGeom>
+        </p:spPr>
+      </p:pic>
+      <p:pic>
+        <p:nvPicPr>
+          <p:cNvPr id="31" name="Imagem 30" descr="Tela de celular com publicação numa rede social&#10;&#10;Descrição gerada automaticamente">
+            <a:extLst>
+              <a:ext uri="{FF2B5EF4-FFF2-40B4-BE49-F238E27FC236}">
+                <a16:creationId xmlns:a16="http://schemas.microsoft.com/office/drawing/2014/main" id="{5544AAEB-9F99-4897-B474-8F98784A0DEF}"/>
+              </a:ext>
+            </a:extLst>
+          </p:cNvPr>
+          <p:cNvPicPr>
+            <a:picLocks noChangeAspect="1"/>
+          </p:cNvPicPr>
+          <p:nvPr/>
+        </p:nvPicPr>
+        <p:blipFill rotWithShape="1">
+          <a:blip r:embed="rId7">
+            <a:extLst>
+              <a:ext uri="{28A0092B-C50C-407E-A947-70E740481C1C}">
+                <a14:useLocalDpi xmlns:a14="http://schemas.microsoft.com/office/drawing/2010/main" val="0"/>
+              </a:ext>
+            </a:extLst>
+          </a:blip>
+          <a:srcRect l="1767" r="1857"/>
+          <a:stretch/>
+        </p:blipFill>
+        <p:spPr>
+          <a:xfrm>
+            <a:off x="8564112" y="1908044"/>
+            <a:ext cx="2368222" cy="1395366"/>
+          </a:xfrm>
+          <a:prstGeom prst="rect">
+            <a:avLst/>
+          </a:prstGeom>
+        </p:spPr>
+      </p:pic>
+      <p:pic>
+        <p:nvPicPr>
+          <p:cNvPr id="1028" name="Picture 4" descr="Resultado de imagem para outlook png">
+            <a:extLst>
+              <a:ext uri="{FF2B5EF4-FFF2-40B4-BE49-F238E27FC236}">
+                <a16:creationId xmlns:a16="http://schemas.microsoft.com/office/drawing/2014/main" id="{44A06458-89F0-49F2-A2F5-8B4B191D4BED}"/>
+              </a:ext>
+            </a:extLst>
+          </p:cNvPr>
+          <p:cNvPicPr>
+            <a:picLocks noChangeAspect="1" noChangeArrowheads="1"/>
+          </p:cNvPicPr>
+          <p:nvPr/>
+        </p:nvPicPr>
+        <p:blipFill>
+          <a:blip r:embed="rId8">
+            <a:extLst>
+              <a:ext uri="{BEBA8EAE-BF5A-486C-A8C5-ECC9F3942E4B}">
+                <a14:imgProps xmlns:a14="http://schemas.microsoft.com/office/drawing/2010/main">
+                  <a14:imgLayer r:embed="rId9">
+                    <a14:imgEffect>
+                      <a14:backgroundRemoval t="6481" b="91204" l="3419" r="94872">
+                        <a14:foregroundMark x1="9829" y1="30556" x2="6410" y2="43519"/>
+                        <a14:foregroundMark x1="6410" y1="43519" x2="8120" y2="65278"/>
+                        <a14:foregroundMark x1="8120" y1="65278" x2="16667" y2="69907"/>
+                        <a14:foregroundMark x1="16667" y1="69907" x2="31197" y2="70370"/>
+                        <a14:foregroundMark x1="26496" y1="45370" x2="24786" y2="54630"/>
+                        <a14:foregroundMark x1="38462" y1="9722" x2="52137" y2="9722"/>
+                        <a14:foregroundMark x1="52137" y1="9722" x2="84615" y2="10648"/>
+                        <a14:foregroundMark x1="84615" y1="10648" x2="85043" y2="47685"/>
+                        <a14:foregroundMark x1="85043" y1="47685" x2="85043" y2="47685"/>
+                        <a14:foregroundMark x1="63675" y1="19444" x2="91453" y2="46296"/>
+                        <a14:foregroundMark x1="93590" y1="62037" x2="88034" y2="73611"/>
+                        <a14:foregroundMark x1="88034" y1="73611" x2="79060" y2="79630"/>
+                        <a14:foregroundMark x1="79060" y1="79630" x2="58547" y2="85185"/>
+                        <a14:foregroundMark x1="58547" y1="85185" x2="58547" y2="85185"/>
+                        <a14:foregroundMark x1="46581" y1="88426" x2="84615" y2="86111"/>
+                        <a14:foregroundMark x1="30342" y1="89815" x2="40171" y2="89815"/>
+                        <a14:foregroundMark x1="40171" y1="89815" x2="82051" y2="91204"/>
+                        <a14:foregroundMark x1="82051" y1="91204" x2="88889" y2="90741"/>
+                        <a14:foregroundMark x1="88889" y1="90741" x2="95726" y2="60648"/>
+                        <a14:foregroundMark x1="95726" y1="60648" x2="94872" y2="53241"/>
+                        <a14:foregroundMark x1="87179" y1="50463" x2="73504" y2="43519"/>
+                        <a14:foregroundMark x1="73504" y1="43519" x2="66667" y2="33333"/>
+                        <a14:foregroundMark x1="66667" y1="33333" x2="58547" y2="17130"/>
+                        <a14:foregroundMark x1="3419" y1="29630" x2="3419" y2="70833"/>
+                        <a14:foregroundMark x1="36752" y1="6019" x2="56838" y2="7407"/>
+                        <a14:foregroundMark x1="56838" y1="7407" x2="85470" y2="6481"/>
+                        <a14:foregroundMark x1="85470" y1="6481" x2="91026" y2="7870"/>
+                        <a14:foregroundMark x1="92308" y1="49537" x2="94017" y2="51852"/>
+                      </a14:backgroundRemoval>
+                    </a14:imgEffect>
+                  </a14:imgLayer>
+                </a14:imgProps>
+              </a:ext>
+              <a:ext uri="{28A0092B-C50C-407E-A947-70E740481C1C}">
+                <a14:useLocalDpi xmlns:a14="http://schemas.microsoft.com/office/drawing/2010/main" val="0"/>
+              </a:ext>
+            </a:extLst>
+          </a:blip>
+          <a:srcRect/>
+          <a:stretch>
+            <a:fillRect/>
+          </a:stretch>
+        </p:blipFill>
+        <p:spPr bwMode="auto">
+          <a:xfrm>
+            <a:off x="10508806" y="1420368"/>
+            <a:ext cx="754834" cy="696982"/>
+          </a:xfrm>
+          <a:prstGeom prst="rect">
+            <a:avLst/>
+          </a:prstGeom>
+          <a:noFill/>
+          <a:extLst>
+            <a:ext uri="{909E8E84-426E-40DD-AFC4-6F175D3DCCD1}">
+              <a14:hiddenFill xmlns:a14="http://schemas.microsoft.com/office/drawing/2010/main">
+                <a:solidFill>
+                  <a:srgbClr val="FFFFFF"/>
+                </a:solidFill>
+              </a14:hiddenFill>
+            </a:ext>
+          </a:extLst>
+        </p:spPr>
+      </p:pic>
+      <p:sp>
+        <p:nvSpPr>
+          <p:cNvPr id="34" name="CaixaDeTexto 33">
+            <a:extLst>
+              <a:ext uri="{FF2B5EF4-FFF2-40B4-BE49-F238E27FC236}">
+                <a16:creationId xmlns:a16="http://schemas.microsoft.com/office/drawing/2014/main" id="{69EE2FB8-7A28-4E35-B277-3A05091E9DFD}"/>
+              </a:ext>
+            </a:extLst>
+          </p:cNvPr>
+          <p:cNvSpPr txBox="1"/>
+          <p:nvPr/>
+        </p:nvSpPr>
+        <p:spPr>
+          <a:xfrm>
+            <a:off x="8564112" y="3849900"/>
+            <a:ext cx="2597424" cy="646331"/>
+          </a:xfrm>
+          <a:prstGeom prst="rect">
+            <a:avLst/>
+          </a:prstGeom>
+          <a:solidFill>
+            <a:schemeClr val="dk1">
+              <a:alpha val="50000"/>
+            </a:schemeClr>
+          </a:solidFill>
+          <a:ln>
+            <a:noFill/>
+          </a:ln>
+        </p:spPr>
+        <p:style>
+          <a:lnRef idx="0">
+            <a:scrgbClr r="0" g="0" b="0"/>
+          </a:lnRef>
+          <a:fillRef idx="0">
+            <a:scrgbClr r="0" g="0" b="0"/>
+          </a:fillRef>
+          <a:effectRef idx="0">
+            <a:scrgbClr r="0" g="0" b="0"/>
+          </a:effectRef>
+          <a:fontRef idx="minor">
+            <a:schemeClr val="lt1"/>
+          </a:fontRef>
+        </p:style>
+        <p:txBody>
+          <a:bodyPr wrap="square" rtlCol="0">
+            <a:spAutoFit/>
+          </a:bodyPr>
+          <a:lstStyle/>
+          <a:p>
+            <a:pPr algn="ctr"/>
+            <a:r>
+              <a:rPr lang="pt-BR" dirty="0"/>
+              <a:t>Recebimento automático de relatórios</a:t>
+            </a:r>
+          </a:p>
+        </p:txBody>
+      </p:sp>
     </p:spTree>
     <p:extLst>
       <p:ext uri="{BB962C8B-B14F-4D97-AF65-F5344CB8AC3E}">
         <p14:creationId xmlns:p14="http://schemas.microsoft.com/office/powerpoint/2010/main" val="3860568314"/>
+      </p:ext>
+    </p:extLst>
+  </p:cSld>
+  <p:clrMapOvr>
+    <a:masterClrMapping/>
+  </p:clrMapOvr>
+</p:sld>
+</file>
+
+<file path=ppt/slides/slide14.xml><?xml version="1.0" encoding="utf-8"?>
+<p:sld xmlns:a="http://schemas.openxmlformats.org/drawingml/2006/main" xmlns:r="http://schemas.openxmlformats.org/officeDocument/2006/relationships" xmlns:p="http://schemas.openxmlformats.org/presentationml/2006/main">
+  <p:cSld>
+    <p:bg>
+      <p:bgPr>
+        <a:solidFill>
+          <a:schemeClr val="bg1"/>
+        </a:solidFill>
+        <a:effectLst/>
+      </p:bgPr>
+    </p:bg>
+    <p:spTree>
+      <p:nvGrpSpPr>
+        <p:cNvPr id="1" name=""/>
+        <p:cNvGrpSpPr/>
+        <p:nvPr/>
+      </p:nvGrpSpPr>
+      <p:grpSpPr>
+        <a:xfrm>
+          <a:off x="0" y="0"/>
+          <a:ext cx="0" cy="0"/>
+          <a:chOff x="0" y="0"/>
+          <a:chExt cx="0" cy="0"/>
+        </a:xfrm>
+      </p:grpSpPr>
+      <p:pic>
+        <p:nvPicPr>
+          <p:cNvPr id="5" name="Imagem 4" descr="Tela de computador com texto preto sobre fundo branco&#10;&#10;Descrição gerada automaticamente">
+            <a:extLst>
+              <a:ext uri="{FF2B5EF4-FFF2-40B4-BE49-F238E27FC236}">
+                <a16:creationId xmlns:a16="http://schemas.microsoft.com/office/drawing/2014/main" id="{9AA29DCC-F698-4360-A36E-1E8C60F0EE69}"/>
+              </a:ext>
+            </a:extLst>
+          </p:cNvPr>
+          <p:cNvPicPr>
+            <a:picLocks noChangeAspect="1"/>
+          </p:cNvPicPr>
+          <p:nvPr/>
+        </p:nvPicPr>
+        <p:blipFill rotWithShape="1">
+          <a:blip r:embed="rId2">
+            <a:extLst>
+              <a:ext uri="{28A0092B-C50C-407E-A947-70E740481C1C}">
+                <a14:useLocalDpi xmlns:a14="http://schemas.microsoft.com/office/drawing/2010/main" val="0"/>
+              </a:ext>
+            </a:extLst>
+          </a:blip>
+          <a:srcRect/>
+          <a:stretch/>
+        </p:blipFill>
+        <p:spPr>
+          <a:xfrm>
+            <a:off x="-548620" y="0"/>
+            <a:ext cx="11802774" cy="6421902"/>
+          </a:xfrm>
+          <a:prstGeom prst="rect">
+            <a:avLst/>
+          </a:prstGeom>
+        </p:spPr>
+      </p:pic>
+      <p:sp>
+        <p:nvSpPr>
+          <p:cNvPr id="10" name="Freeform: Shape 9">
+            <a:extLst>
+              <a:ext uri="{FF2B5EF4-FFF2-40B4-BE49-F238E27FC236}">
+                <a16:creationId xmlns:a16="http://schemas.microsoft.com/office/drawing/2014/main" id="{B1193618-4E25-4CA2-A90E-01462093F1C5}"/>
+              </a:ext>
+              <a:ext uri="{C183D7F6-B498-43B3-948B-1728B52AA6E4}">
+                <adec:decorative xmlns:adec="http://schemas.microsoft.com/office/drawing/2017/decorative" val="1"/>
+              </a:ext>
+            </a:extLst>
+          </p:cNvPr>
+          <p:cNvSpPr>
+            <a:spLocks noGrp="1" noRot="1" noChangeAspect="1" noMove="1" noResize="1" noEditPoints="1" noAdjustHandles="1" noChangeArrowheads="1" noChangeShapeType="1" noTextEdit="1"/>
+          </p:cNvSpPr>
+          <p:nvPr>
+            <p:extLst>
+              <p:ext uri="{386F3935-93C4-4BCD-93E2-E3B085C9AB24}">
+                <p16:designElem xmlns:p16="http://schemas.microsoft.com/office/powerpoint/2015/main" val="1"/>
+              </p:ext>
+            </p:extLst>
+          </p:nvPr>
+        </p:nvSpPr>
+        <p:spPr>
+          <a:xfrm flipH="1">
+            <a:off x="9861374" y="1828154"/>
+            <a:ext cx="2330626" cy="5029846"/>
+          </a:xfrm>
+          <a:custGeom>
+            <a:avLst/>
+            <a:gdLst>
+              <a:gd name="connsiteX0" fmla="*/ 0 w 2330626"/>
+              <a:gd name="connsiteY0" fmla="*/ 0 h 5029846"/>
+              <a:gd name="connsiteX1" fmla="*/ 0 w 2330626"/>
+              <a:gd name="connsiteY1" fmla="*/ 5029846 h 5029846"/>
+              <a:gd name="connsiteX2" fmla="*/ 2330626 w 2330626"/>
+              <a:gd name="connsiteY2" fmla="*/ 5029846 h 5029846"/>
+            </a:gdLst>
+            <a:ahLst/>
+            <a:cxnLst>
+              <a:cxn ang="0">
+                <a:pos x="connsiteX0" y="connsiteY0"/>
+              </a:cxn>
+              <a:cxn ang="0">
+                <a:pos x="connsiteX1" y="connsiteY1"/>
+              </a:cxn>
+              <a:cxn ang="0">
+                <a:pos x="connsiteX2" y="connsiteY2"/>
+              </a:cxn>
+            </a:cxnLst>
+            <a:rect l="l" t="t" r="r" b="b"/>
+            <a:pathLst>
+              <a:path w="2330626" h="5029846">
+                <a:moveTo>
+                  <a:pt x="0" y="0"/>
+                </a:moveTo>
+                <a:lnTo>
+                  <a:pt x="0" y="5029846"/>
+                </a:lnTo>
+                <a:lnTo>
+                  <a:pt x="2330626" y="5029846"/>
+                </a:lnTo>
+                <a:close/>
+              </a:path>
+            </a:pathLst>
+          </a:custGeom>
+          <a:solidFill>
+            <a:srgbClr val="262626"/>
+          </a:solidFill>
+          <a:ln>
+            <a:noFill/>
+          </a:ln>
+        </p:spPr>
+        <p:style>
+          <a:lnRef idx="2">
+            <a:schemeClr val="accent1">
+              <a:shade val="50000"/>
+            </a:schemeClr>
+          </a:lnRef>
+          <a:fillRef idx="1">
+            <a:schemeClr val="accent1"/>
+          </a:fillRef>
+          <a:effectRef idx="0">
+            <a:schemeClr val="accent1"/>
+          </a:effectRef>
+          <a:fontRef idx="minor">
+            <a:schemeClr val="lt1"/>
+          </a:fontRef>
+        </p:style>
+        <p:txBody>
+          <a:bodyPr wrap="square" rtlCol="0" anchor="ctr">
+            <a:noAutofit/>
+          </a:bodyPr>
+          <a:lstStyle/>
+          <a:p>
+            <a:pPr algn="ctr"/>
+            <a:endParaRPr lang="en-US"/>
+          </a:p>
+        </p:txBody>
+      </p:sp>
+    </p:spTree>
+    <p:extLst>
+      <p:ext uri="{BB962C8B-B14F-4D97-AF65-F5344CB8AC3E}">
+        <p14:creationId xmlns:p14="http://schemas.microsoft.com/office/powerpoint/2010/main" val="1744921153"/>
+      </p:ext>
+    </p:extLst>
+  </p:cSld>
+  <p:clrMapOvr>
+    <a:masterClrMapping/>
+  </p:clrMapOvr>
+</p:sld>
+</file>
+
+<file path=ppt/slides/slide15.xml><?xml version="1.0" encoding="utf-8"?>
+<p:sld xmlns:a="http://schemas.openxmlformats.org/drawingml/2006/main" xmlns:r="http://schemas.openxmlformats.org/officeDocument/2006/relationships" xmlns:p="http://schemas.openxmlformats.org/presentationml/2006/main">
+  <p:cSld>
+    <p:spTree>
+      <p:nvGrpSpPr>
+        <p:cNvPr id="1" name=""/>
+        <p:cNvGrpSpPr/>
+        <p:nvPr/>
+      </p:nvGrpSpPr>
+      <p:grpSpPr>
+        <a:xfrm>
+          <a:off x="0" y="0"/>
+          <a:ext cx="0" cy="0"/>
+          <a:chOff x="0" y="0"/>
+          <a:chExt cx="0" cy="0"/>
+        </a:xfrm>
+      </p:grpSpPr>
+      <p:sp>
+        <p:nvSpPr>
+          <p:cNvPr id="11" name="Hexágono 10">
+            <a:extLst>
+              <a:ext uri="{FF2B5EF4-FFF2-40B4-BE49-F238E27FC236}">
+                <a16:creationId xmlns:a16="http://schemas.microsoft.com/office/drawing/2014/main" id="{AB1BE324-BE53-46F2-B6D4-67F410C338A2}"/>
+              </a:ext>
+            </a:extLst>
+          </p:cNvPr>
+          <p:cNvSpPr/>
+          <p:nvPr/>
+        </p:nvSpPr>
+        <p:spPr>
+          <a:xfrm rot="16200000">
+            <a:off x="7310573" y="2525154"/>
+            <a:ext cx="3473139" cy="2754888"/>
+          </a:xfrm>
+          <a:prstGeom prst="hexagon">
+            <a:avLst/>
+          </a:prstGeom>
+          <a:solidFill>
+            <a:schemeClr val="lt1"/>
+          </a:solidFill>
+          <a:ln w="361950" cmpd="dbl">
+            <a:solidFill>
+              <a:schemeClr val="bg1">
+                <a:lumMod val="85000"/>
+                <a:alpha val="96000"/>
+              </a:schemeClr>
+            </a:solidFill>
+            <a:prstDash val="dashDot"/>
+          </a:ln>
+        </p:spPr>
+        <p:style>
+          <a:lnRef idx="2">
+            <a:schemeClr val="dk1"/>
+          </a:lnRef>
+          <a:fillRef idx="1">
+            <a:schemeClr val="lt1"/>
+          </a:fillRef>
+          <a:effectRef idx="0">
+            <a:schemeClr val="dk1"/>
+          </a:effectRef>
+          <a:fontRef idx="minor">
+            <a:schemeClr val="dk1"/>
+          </a:fontRef>
+        </p:style>
+        <p:txBody>
+          <a:bodyPr rtlCol="0" anchor="ctr"/>
+          <a:lstStyle/>
+          <a:p>
+            <a:pPr algn="ctr"/>
+            <a:endParaRPr lang="pt-BR" dirty="0"/>
+          </a:p>
+        </p:txBody>
+      </p:sp>
+      <p:sp>
+        <p:nvSpPr>
+          <p:cNvPr id="7" name="Hexágono 6">
+            <a:extLst>
+              <a:ext uri="{FF2B5EF4-FFF2-40B4-BE49-F238E27FC236}">
+                <a16:creationId xmlns:a16="http://schemas.microsoft.com/office/drawing/2014/main" id="{8277AAA1-8180-485D-A25D-E1DACE21C9D7}"/>
+              </a:ext>
+            </a:extLst>
+          </p:cNvPr>
+          <p:cNvSpPr/>
+          <p:nvPr/>
+        </p:nvSpPr>
+        <p:spPr>
+          <a:xfrm rot="16200000">
+            <a:off x="2181614" y="920589"/>
+            <a:ext cx="3473142" cy="2754888"/>
+          </a:xfrm>
+          <a:prstGeom prst="hexagon">
+            <a:avLst/>
+          </a:prstGeom>
+          <a:solidFill>
+            <a:schemeClr val="lt1"/>
+          </a:solidFill>
+          <a:ln w="361950" cmpd="dbl">
+            <a:solidFill>
+              <a:schemeClr val="bg1">
+                <a:lumMod val="85000"/>
+                <a:alpha val="96000"/>
+              </a:schemeClr>
+            </a:solidFill>
+            <a:prstDash val="dashDot"/>
+          </a:ln>
+        </p:spPr>
+        <p:style>
+          <a:lnRef idx="2">
+            <a:schemeClr val="dk1"/>
+          </a:lnRef>
+          <a:fillRef idx="1">
+            <a:schemeClr val="lt1"/>
+          </a:fillRef>
+          <a:effectRef idx="0">
+            <a:schemeClr val="dk1"/>
+          </a:effectRef>
+          <a:fontRef idx="minor">
+            <a:schemeClr val="dk1"/>
+          </a:fontRef>
+        </p:style>
+        <p:txBody>
+          <a:bodyPr rtlCol="0" anchor="ctr"/>
+          <a:lstStyle/>
+          <a:p>
+            <a:pPr algn="ctr"/>
+            <a:endParaRPr lang="pt-BR" dirty="0"/>
+          </a:p>
+        </p:txBody>
+      </p:sp>
+      <p:pic>
+        <p:nvPicPr>
+          <p:cNvPr id="5" name="Imagem 4">
+            <a:extLst>
+              <a:ext uri="{FF2B5EF4-FFF2-40B4-BE49-F238E27FC236}">
+                <a16:creationId xmlns:a16="http://schemas.microsoft.com/office/drawing/2014/main" id="{21F0546A-3F3A-4F2A-BA5A-6240B188FD77}"/>
+              </a:ext>
+            </a:extLst>
+          </p:cNvPr>
+          <p:cNvPicPr>
+            <a:picLocks noChangeAspect="1"/>
+          </p:cNvPicPr>
+          <p:nvPr/>
+        </p:nvPicPr>
+        <p:blipFill>
+          <a:blip r:embed="rId2">
+            <a:extLst>
+              <a:ext uri="{28A0092B-C50C-407E-A947-70E740481C1C}">
+                <a14:useLocalDpi xmlns:a14="http://schemas.microsoft.com/office/drawing/2010/main" val="0"/>
+              </a:ext>
+            </a:extLst>
+          </a:blip>
+          <a:stretch>
+            <a:fillRect/>
+          </a:stretch>
+        </p:blipFill>
+        <p:spPr>
+          <a:xfrm>
+            <a:off x="8330313" y="2963950"/>
+            <a:ext cx="1433658" cy="1433658"/>
+          </a:xfrm>
+          <a:prstGeom prst="rect">
+            <a:avLst/>
+          </a:prstGeom>
+          <a:solidFill>
+            <a:schemeClr val="lt1"/>
+          </a:solidFill>
+        </p:spPr>
+      </p:pic>
+      <p:pic>
+        <p:nvPicPr>
+          <p:cNvPr id="2050" name="Picture 2" descr="Resultado de imagem para banco de dados azure png">
+            <a:extLst>
+              <a:ext uri="{FF2B5EF4-FFF2-40B4-BE49-F238E27FC236}">
+                <a16:creationId xmlns:a16="http://schemas.microsoft.com/office/drawing/2014/main" id="{CFEEA43F-13B2-4374-B878-98F25B06DA2A}"/>
+              </a:ext>
+            </a:extLst>
+          </p:cNvPr>
+          <p:cNvPicPr>
+            <a:picLocks noChangeAspect="1" noChangeArrowheads="1"/>
+          </p:cNvPicPr>
+          <p:nvPr/>
+        </p:nvPicPr>
+        <p:blipFill>
+          <a:blip r:embed="rId3">
+            <a:extLst>
+              <a:ext uri="{BEBA8EAE-BF5A-486C-A8C5-ECC9F3942E4B}">
+                <a14:imgProps xmlns:a14="http://schemas.microsoft.com/office/drawing/2010/main">
+                  <a14:imgLayer r:embed="rId4">
+                    <a14:imgEffect>
+                      <a14:backgroundRemoval t="1754" b="97076" l="9459" r="89865">
+                        <a14:foregroundMark x1="26689" y1="8187" x2="45608" y2="2339"/>
+                        <a14:foregroundMark x1="45608" y1="2339" x2="54730" y2="8772"/>
+                        <a14:foregroundMark x1="41216" y1="47953" x2="41216" y2="47953"/>
+                        <a14:foregroundMark x1="53378" y1="64912" x2="53378" y2="64912"/>
+                        <a14:foregroundMark x1="58446" y1="97076" x2="58446" y2="97076"/>
+                      </a14:backgroundRemoval>
+                    </a14:imgEffect>
+                  </a14:imgLayer>
+                </a14:imgProps>
+              </a:ext>
+              <a:ext uri="{28A0092B-C50C-407E-A947-70E740481C1C}">
+                <a14:useLocalDpi xmlns:a14="http://schemas.microsoft.com/office/drawing/2010/main" val="0"/>
+              </a:ext>
+            </a:extLst>
+          </a:blip>
+          <a:srcRect/>
+          <a:stretch>
+            <a:fillRect/>
+          </a:stretch>
+        </p:blipFill>
+        <p:spPr bwMode="auto">
+          <a:xfrm>
+            <a:off x="2920968" y="1372102"/>
+            <a:ext cx="2247918" cy="1299461"/>
+          </a:xfrm>
+          <a:prstGeom prst="rect">
+            <a:avLst/>
+          </a:prstGeom>
+          <a:solidFill>
+            <a:schemeClr val="lt1"/>
+          </a:solidFill>
+          <a:ln>
+            <a:noFill/>
+          </a:ln>
+        </p:spPr>
+      </p:pic>
+      <p:sp>
+        <p:nvSpPr>
+          <p:cNvPr id="8" name="CaixaDeTexto 7">
+            <a:extLst>
+              <a:ext uri="{FF2B5EF4-FFF2-40B4-BE49-F238E27FC236}">
+                <a16:creationId xmlns:a16="http://schemas.microsoft.com/office/drawing/2014/main" id="{D8093CA0-BC20-40B9-8451-F3E1E788707E}"/>
+              </a:ext>
+            </a:extLst>
+          </p:cNvPr>
+          <p:cNvSpPr txBox="1"/>
+          <p:nvPr/>
+        </p:nvSpPr>
+        <p:spPr>
+          <a:xfrm>
+            <a:off x="3277774" y="2671563"/>
+            <a:ext cx="1252307" cy="584775"/>
+          </a:xfrm>
+          <a:prstGeom prst="rect">
+            <a:avLst/>
+          </a:prstGeom>
+          <a:solidFill>
+            <a:schemeClr val="lt1"/>
+          </a:solidFill>
+        </p:spPr>
+        <p:txBody>
+          <a:bodyPr wrap="square" rtlCol="0">
+            <a:spAutoFit/>
+          </a:bodyPr>
+          <a:lstStyle/>
+          <a:p>
+            <a:pPr algn="ctr"/>
+            <a:r>
+              <a:rPr lang="pt-BR" sz="3200" dirty="0">
+                <a:solidFill>
+                  <a:srgbClr val="0079D6"/>
+                </a:solidFill>
+                <a:latin typeface="Source Sans Pro SemiBold" panose="020B0604020202020204" pitchFamily="34" charset="0"/>
+                <a:cs typeface="BrowalliaUPC" panose="020B0502040204020203" pitchFamily="34" charset="-34"/>
+              </a:rPr>
+              <a:t>Azure</a:t>
+            </a:r>
+          </a:p>
+        </p:txBody>
+      </p:sp>
+      <p:cxnSp>
+        <p:nvCxnSpPr>
+          <p:cNvPr id="10" name="Conector reto 9">
+            <a:extLst>
+              <a:ext uri="{FF2B5EF4-FFF2-40B4-BE49-F238E27FC236}">
+                <a16:creationId xmlns:a16="http://schemas.microsoft.com/office/drawing/2014/main" id="{01F40253-1110-48D9-BCDE-69D2209BBDCC}"/>
+              </a:ext>
+            </a:extLst>
+          </p:cNvPr>
+          <p:cNvCxnSpPr>
+            <a:cxnSpLocks/>
+          </p:cNvCxnSpPr>
+          <p:nvPr/>
+        </p:nvCxnSpPr>
+        <p:spPr>
+          <a:xfrm>
+            <a:off x="5486401" y="1250184"/>
+            <a:ext cx="2183296" cy="0"/>
+          </a:xfrm>
+          <a:prstGeom prst="line">
+            <a:avLst/>
+          </a:prstGeom>
+          <a:ln>
+            <a:solidFill>
+              <a:schemeClr val="tx1"/>
+            </a:solidFill>
+          </a:ln>
+        </p:spPr>
+        <p:style>
+          <a:lnRef idx="1">
+            <a:schemeClr val="accent1"/>
+          </a:lnRef>
+          <a:fillRef idx="0">
+            <a:schemeClr val="accent1"/>
+          </a:fillRef>
+          <a:effectRef idx="0">
+            <a:schemeClr val="accent1"/>
+          </a:effectRef>
+          <a:fontRef idx="minor">
+            <a:schemeClr val="tx1"/>
+          </a:fontRef>
+        </p:style>
+      </p:cxnSp>
+      <p:cxnSp>
+        <p:nvCxnSpPr>
+          <p:cNvPr id="13" name="Conector de Seta Reta 12">
+            <a:extLst>
+              <a:ext uri="{FF2B5EF4-FFF2-40B4-BE49-F238E27FC236}">
+                <a16:creationId xmlns:a16="http://schemas.microsoft.com/office/drawing/2014/main" id="{0765C35C-0179-411F-833F-1B7014D80D7E}"/>
+              </a:ext>
+            </a:extLst>
+          </p:cNvPr>
+          <p:cNvCxnSpPr>
+            <a:cxnSpLocks/>
+            <a:endCxn id="11" idx="5"/>
+          </p:cNvCxnSpPr>
+          <p:nvPr/>
+        </p:nvCxnSpPr>
+        <p:spPr>
+          <a:xfrm>
+            <a:off x="7669697" y="1250184"/>
+            <a:ext cx="2" cy="1604567"/>
+          </a:xfrm>
+          <a:prstGeom prst="straightConnector1">
+            <a:avLst/>
+          </a:prstGeom>
+          <a:ln>
+            <a:solidFill>
+              <a:schemeClr val="tx1"/>
+            </a:solidFill>
+            <a:tailEnd type="triangle"/>
+          </a:ln>
+        </p:spPr>
+        <p:style>
+          <a:lnRef idx="1">
+            <a:schemeClr val="accent1"/>
+          </a:lnRef>
+          <a:fillRef idx="0">
+            <a:schemeClr val="accent1"/>
+          </a:fillRef>
+          <a:effectRef idx="0">
+            <a:schemeClr val="accent1"/>
+          </a:effectRef>
+          <a:fontRef idx="minor">
+            <a:schemeClr val="tx1"/>
+          </a:fontRef>
+        </p:style>
+      </p:cxnSp>
+      <p:cxnSp>
+        <p:nvCxnSpPr>
+          <p:cNvPr id="17" name="Conector reto 16">
+            <a:extLst>
+              <a:ext uri="{FF2B5EF4-FFF2-40B4-BE49-F238E27FC236}">
+                <a16:creationId xmlns:a16="http://schemas.microsoft.com/office/drawing/2014/main" id="{EACA26BE-A9F3-43DA-9390-571E4BEA21FE}"/>
+              </a:ext>
+            </a:extLst>
+          </p:cNvPr>
+          <p:cNvCxnSpPr>
+            <a:cxnSpLocks/>
+          </p:cNvCxnSpPr>
+          <p:nvPr/>
+        </p:nvCxnSpPr>
+        <p:spPr>
+          <a:xfrm flipH="1">
+            <a:off x="5295628" y="5255065"/>
+            <a:ext cx="2501925" cy="0"/>
+          </a:xfrm>
+          <a:prstGeom prst="line">
+            <a:avLst/>
+          </a:prstGeom>
+          <a:ln>
+            <a:solidFill>
+              <a:schemeClr val="tx1"/>
+            </a:solidFill>
+          </a:ln>
+        </p:spPr>
+        <p:style>
+          <a:lnRef idx="1">
+            <a:schemeClr val="accent1"/>
+          </a:lnRef>
+          <a:fillRef idx="0">
+            <a:schemeClr val="accent1"/>
+          </a:fillRef>
+          <a:effectRef idx="0">
+            <a:schemeClr val="accent1"/>
+          </a:effectRef>
+          <a:fontRef idx="minor">
+            <a:schemeClr val="tx1"/>
+          </a:fontRef>
+        </p:style>
+      </p:cxnSp>
+      <p:cxnSp>
+        <p:nvCxnSpPr>
+          <p:cNvPr id="19" name="Conector de Seta Reta 18">
+            <a:extLst>
+              <a:ext uri="{FF2B5EF4-FFF2-40B4-BE49-F238E27FC236}">
+                <a16:creationId xmlns:a16="http://schemas.microsoft.com/office/drawing/2014/main" id="{023AAAEC-AD63-47DB-91F1-68B453A9DEC1}"/>
+              </a:ext>
+            </a:extLst>
+          </p:cNvPr>
+          <p:cNvCxnSpPr>
+            <a:cxnSpLocks/>
+            <a:endCxn id="7" idx="2"/>
+          </p:cNvCxnSpPr>
+          <p:nvPr/>
+        </p:nvCxnSpPr>
+        <p:spPr>
+          <a:xfrm flipV="1">
+            <a:off x="5295628" y="3345882"/>
+            <a:ext cx="0" cy="1909183"/>
+          </a:xfrm>
+          <a:prstGeom prst="straightConnector1">
+            <a:avLst/>
+          </a:prstGeom>
+          <a:ln>
+            <a:solidFill>
+              <a:schemeClr val="tx1"/>
+            </a:solidFill>
+            <a:tailEnd type="triangle"/>
+          </a:ln>
+        </p:spPr>
+        <p:style>
+          <a:lnRef idx="1">
+            <a:schemeClr val="accent1"/>
+          </a:lnRef>
+          <a:fillRef idx="0">
+            <a:schemeClr val="accent1"/>
+          </a:fillRef>
+          <a:effectRef idx="0">
+            <a:schemeClr val="accent1"/>
+          </a:effectRef>
+          <a:fontRef idx="minor">
+            <a:schemeClr val="tx1"/>
+          </a:fontRef>
+        </p:style>
+      </p:cxnSp>
+      <p:pic>
+        <p:nvPicPr>
+          <p:cNvPr id="33" name="Imagem 32" descr="Uma imagem contendo placar&#10;&#10;Descrição gerada automaticamente">
+            <a:extLst>
+              <a:ext uri="{FF2B5EF4-FFF2-40B4-BE49-F238E27FC236}">
+                <a16:creationId xmlns:a16="http://schemas.microsoft.com/office/drawing/2014/main" id="{AC97ABCB-5A10-4503-BDF6-5442A6769CFE}"/>
+              </a:ext>
+            </a:extLst>
+          </p:cNvPr>
+          <p:cNvPicPr>
+            <a:picLocks noChangeAspect="1"/>
+          </p:cNvPicPr>
+          <p:nvPr/>
+        </p:nvPicPr>
+        <p:blipFill>
+          <a:blip r:embed="rId5">
+            <a:extLst>
+              <a:ext uri="{28A0092B-C50C-407E-A947-70E740481C1C}">
+                <a14:useLocalDpi xmlns:a14="http://schemas.microsoft.com/office/drawing/2010/main" val="0"/>
+              </a:ext>
+            </a:extLst>
+          </a:blip>
+          <a:stretch>
+            <a:fillRect/>
+          </a:stretch>
+        </p:blipFill>
+        <p:spPr>
+          <a:xfrm>
+            <a:off x="6125836" y="2667230"/>
+            <a:ext cx="904426" cy="904426"/>
+          </a:xfrm>
+          <a:prstGeom prst="rect">
+            <a:avLst/>
+          </a:prstGeom>
+        </p:spPr>
+      </p:pic>
+      <p:sp>
+        <p:nvSpPr>
+          <p:cNvPr id="34" name="CaixaDeTexto 33">
+            <a:extLst>
+              <a:ext uri="{FF2B5EF4-FFF2-40B4-BE49-F238E27FC236}">
+                <a16:creationId xmlns:a16="http://schemas.microsoft.com/office/drawing/2014/main" id="{09147880-8B61-47BF-A54F-C6216423F89D}"/>
+              </a:ext>
+            </a:extLst>
+          </p:cNvPr>
+          <p:cNvSpPr txBox="1"/>
+          <p:nvPr/>
+        </p:nvSpPr>
+        <p:spPr>
+          <a:xfrm>
+            <a:off x="7905969" y="4397608"/>
+            <a:ext cx="2282346" cy="584775"/>
+          </a:xfrm>
+          <a:prstGeom prst="rect">
+            <a:avLst/>
+          </a:prstGeom>
+          <a:noFill/>
+          <a:ln>
+            <a:noFill/>
+          </a:ln>
+        </p:spPr>
+        <p:style>
+          <a:lnRef idx="0">
+            <a:scrgbClr r="0" g="0" b="0"/>
+          </a:lnRef>
+          <a:fillRef idx="0">
+            <a:scrgbClr r="0" g="0" b="0"/>
+          </a:fillRef>
+          <a:effectRef idx="0">
+            <a:scrgbClr r="0" g="0" b="0"/>
+          </a:effectRef>
+          <a:fontRef idx="minor">
+            <a:schemeClr val="dk1"/>
+          </a:fontRef>
+        </p:style>
+        <p:txBody>
+          <a:bodyPr wrap="square" rtlCol="0">
+            <a:spAutoFit/>
+          </a:bodyPr>
+          <a:lstStyle/>
+          <a:p>
+            <a:pPr algn="ctr"/>
+            <a:r>
+              <a:rPr lang="pt-BR" sz="3200" dirty="0">
+                <a:solidFill>
+                  <a:srgbClr val="F2C811"/>
+                </a:solidFill>
+                <a:latin typeface="Source Sans Pro SemiBold" panose="020B0604020202020204" pitchFamily="34" charset="0"/>
+                <a:cs typeface="BrowalliaUPC" panose="020B0502040204020203" pitchFamily="34" charset="-34"/>
+              </a:rPr>
+              <a:t>Power BI</a:t>
+            </a:r>
+          </a:p>
+        </p:txBody>
+      </p:sp>
+    </p:spTree>
+    <p:extLst>
+      <p:ext uri="{BB962C8B-B14F-4D97-AF65-F5344CB8AC3E}">
+        <p14:creationId xmlns:p14="http://schemas.microsoft.com/office/powerpoint/2010/main" val="2172712877"/>
       </p:ext>
     </p:extLst>
   </p:cSld>
